--- a/Presentation/Bison Impact on GrassLand.pptx
+++ b/Presentation/Bison Impact on GrassLand.pptx
@@ -5,7 +5,7 @@
     <p:sldMasterId id="2147483686" r:id="rId1"/>
   </p:sldMasterIdLst>
   <p:notesMasterIdLst>
-    <p:notesMasterId r:id="rId14"/>
+    <p:notesMasterId r:id="rId16"/>
   </p:notesMasterIdLst>
   <p:sldIdLst>
     <p:sldId id="256" r:id="rId2"/>
@@ -20,6 +20,8 @@
     <p:sldId id="265" r:id="rId11"/>
     <p:sldId id="266" r:id="rId12"/>
     <p:sldId id="267" r:id="rId13"/>
+    <p:sldId id="268" r:id="rId14"/>
+    <p:sldId id="269" r:id="rId15"/>
   </p:sldIdLst>
   <p:sldSz cx="12192000" cy="6858000"/>
   <p:notesSz cx="6858000" cy="9144000"/>
@@ -5307,6 +5309,932 @@
 </p:sld>
 </file>
 
+<file path=ppt/slides/slide13.xml><?xml version="1.0" encoding="utf-8"?>
+<p:sld xmlns:a="http://schemas.openxmlformats.org/drawingml/2006/main" xmlns:r="http://schemas.openxmlformats.org/officeDocument/2006/relationships" xmlns:p="http://schemas.openxmlformats.org/presentationml/2006/main">
+  <p:cSld>
+    <p:spTree>
+      <p:nvGrpSpPr>
+        <p:cNvPr id="1" name=""/>
+        <p:cNvGrpSpPr/>
+        <p:nvPr/>
+      </p:nvGrpSpPr>
+      <p:grpSpPr>
+        <a:xfrm>
+          <a:off x="0" y="0"/>
+          <a:ext cx="0" cy="0"/>
+          <a:chOff x="0" y="0"/>
+          <a:chExt cx="0" cy="0"/>
+        </a:xfrm>
+      </p:grpSpPr>
+      <p:sp>
+        <p:nvSpPr>
+          <p:cNvPr id="4" name="Slide Number Placeholder 3">
+            <a:extLst>
+              <a:ext uri="{FF2B5EF4-FFF2-40B4-BE49-F238E27FC236}">
+                <a16:creationId xmlns:a16="http://schemas.microsoft.com/office/drawing/2014/main" id="{743D5EC3-E256-7C60-B90E-DFED16CA6F1B}"/>
+              </a:ext>
+            </a:extLst>
+          </p:cNvPr>
+          <p:cNvSpPr>
+            <a:spLocks noGrp="1"/>
+          </p:cNvSpPr>
+          <p:nvPr>
+            <p:ph type="sldNum" sz="quarter" idx="12"/>
+          </p:nvPr>
+        </p:nvSpPr>
+        <p:spPr/>
+        <p:txBody>
+          <a:bodyPr/>
+          <a:lstStyle/>
+          <a:p>
+            <a:fld id="{87E7843D-FF13-4365-9478-9625B70A2705}" type="slidenum">
+              <a:rPr lang="en-US" smtClean="0"/>
+              <a:t>13</a:t>
+            </a:fld>
+            <a:endParaRPr lang="en-US"/>
+          </a:p>
+        </p:txBody>
+      </p:sp>
+      <p:sp>
+        <p:nvSpPr>
+          <p:cNvPr id="5" name="TextBox 4">
+            <a:extLst>
+              <a:ext uri="{FF2B5EF4-FFF2-40B4-BE49-F238E27FC236}">
+                <a16:creationId xmlns:a16="http://schemas.microsoft.com/office/drawing/2014/main" id="{D2265012-2BA8-F35B-1325-6AADF2B5B803}"/>
+              </a:ext>
+            </a:extLst>
+          </p:cNvPr>
+          <p:cNvSpPr txBox="1"/>
+          <p:nvPr/>
+        </p:nvSpPr>
+        <p:spPr>
+          <a:xfrm>
+            <a:off x="340043" y="181094"/>
+            <a:ext cx="6097904" cy="400110"/>
+          </a:xfrm>
+          <a:prstGeom prst="rect">
+            <a:avLst/>
+          </a:prstGeom>
+          <a:noFill/>
+        </p:spPr>
+        <p:txBody>
+          <a:bodyPr wrap="square">
+            <a:spAutoFit/>
+          </a:bodyPr>
+          <a:lstStyle/>
+          <a:p>
+            <a:r>
+              <a:rPr lang="en-US" sz="2000" b="1" cap="all" spc="30" dirty="0">
+                <a:latin typeface="+mj-lt"/>
+                <a:ea typeface="+mj-ea"/>
+                <a:cs typeface="+mj-cs"/>
+              </a:rPr>
+              <a:t>Result Analysis: Simpson response variable</a:t>
+            </a:r>
+            <a:endParaRPr lang="en-US" sz="2000" dirty="0"/>
+          </a:p>
+        </p:txBody>
+      </p:sp>
+      <p:sp>
+        <p:nvSpPr>
+          <p:cNvPr id="7" name="TextBox 6">
+            <a:extLst>
+              <a:ext uri="{FF2B5EF4-FFF2-40B4-BE49-F238E27FC236}">
+                <a16:creationId xmlns:a16="http://schemas.microsoft.com/office/drawing/2014/main" id="{A8EAA6F7-2F74-C153-DBB0-6E047E565BF1}"/>
+              </a:ext>
+            </a:extLst>
+          </p:cNvPr>
+          <p:cNvSpPr txBox="1"/>
+          <p:nvPr/>
+        </p:nvSpPr>
+        <p:spPr>
+          <a:xfrm>
+            <a:off x="340043" y="841216"/>
+            <a:ext cx="6096000" cy="1477328"/>
+          </a:xfrm>
+          <a:prstGeom prst="rect">
+            <a:avLst/>
+          </a:prstGeom>
+          <a:noFill/>
+        </p:spPr>
+        <p:txBody>
+          <a:bodyPr wrap="square">
+            <a:spAutoFit/>
+          </a:bodyPr>
+          <a:lstStyle/>
+          <a:p>
+            <a:pPr algn="just"/>
+            <a:r>
+              <a:rPr lang="en-US" b="0" i="0" u="none" strike="noStrike" dirty="0">
+                <a:solidFill>
+                  <a:srgbClr val="000000"/>
+                </a:solidFill>
+                <a:effectLst/>
+                <a:latin typeface="-webkit-standard"/>
+              </a:rPr>
+              <a:t>Simpson diversity measures how diverse a plant community is by considering both the number of different species and how evenly they are distributed. Unlike just counting species, Simpson gives higher scores when no single species dominates the area.</a:t>
+            </a:r>
+            <a:endParaRPr lang="en-US" dirty="0"/>
+          </a:p>
+        </p:txBody>
+      </p:sp>
+      <p:pic>
+        <p:nvPicPr>
+          <p:cNvPr id="9" name="Picture 8" descr="A graph of different types of data&#10;&#10;AI-generated content may be incorrect.">
+            <a:extLst>
+              <a:ext uri="{FF2B5EF4-FFF2-40B4-BE49-F238E27FC236}">
+                <a16:creationId xmlns:a16="http://schemas.microsoft.com/office/drawing/2014/main" id="{6A70BC5F-9CB4-9AFD-8B07-921DAE26F0C9}"/>
+              </a:ext>
+            </a:extLst>
+          </p:cNvPr>
+          <p:cNvPicPr>
+            <a:picLocks noChangeAspect="1"/>
+          </p:cNvPicPr>
+          <p:nvPr/>
+        </p:nvPicPr>
+        <p:blipFill>
+          <a:blip r:embed="rId2"/>
+          <a:stretch>
+            <a:fillRect/>
+          </a:stretch>
+        </p:blipFill>
+        <p:spPr>
+          <a:xfrm>
+            <a:off x="340043" y="2247424"/>
+            <a:ext cx="5201284" cy="3209935"/>
+          </a:xfrm>
+          <a:prstGeom prst="rect">
+            <a:avLst/>
+          </a:prstGeom>
+        </p:spPr>
+      </p:pic>
+      <p:sp>
+        <p:nvSpPr>
+          <p:cNvPr id="11" name="TextBox 10">
+            <a:extLst>
+              <a:ext uri="{FF2B5EF4-FFF2-40B4-BE49-F238E27FC236}">
+                <a16:creationId xmlns:a16="http://schemas.microsoft.com/office/drawing/2014/main" id="{9BD88306-20DD-C8C3-CBF9-3167B8686E9E}"/>
+              </a:ext>
+            </a:extLst>
+          </p:cNvPr>
+          <p:cNvSpPr txBox="1"/>
+          <p:nvPr/>
+        </p:nvSpPr>
+        <p:spPr>
+          <a:xfrm>
+            <a:off x="6547802" y="955065"/>
+            <a:ext cx="5304155" cy="4901085"/>
+          </a:xfrm>
+          <a:prstGeom prst="rect">
+            <a:avLst/>
+          </a:prstGeom>
+          <a:noFill/>
+          <a:ln>
+            <a:solidFill>
+              <a:schemeClr val="tx1"/>
+            </a:solidFill>
+          </a:ln>
+        </p:spPr>
+        <p:txBody>
+          <a:bodyPr wrap="square">
+            <a:spAutoFit/>
+          </a:bodyPr>
+          <a:lstStyle/>
+          <a:p>
+            <a:pPr algn="l">
+              <a:lnSpc>
+                <a:spcPct val="150000"/>
+              </a:lnSpc>
+              <a:buNone/>
+            </a:pPr>
+            <a:r>
+              <a:rPr lang="en-US" sz="1400" b="1" i="0" u="none" strike="noStrike" dirty="0">
+                <a:solidFill>
+                  <a:srgbClr val="000000"/>
+                </a:solidFill>
+                <a:effectLst/>
+                <a:latin typeface="Times New Roman" panose="02020603050405020304" pitchFamily="18" charset="0"/>
+                <a:cs typeface="Times New Roman" panose="02020603050405020304" pitchFamily="18" charset="0"/>
+              </a:rPr>
+              <a:t>%</a:t>
+            </a:r>
+            <a:r>
+              <a:rPr lang="en-US" sz="1400" b="1" i="0" u="none" strike="noStrike" dirty="0" err="1">
+                <a:solidFill>
+                  <a:srgbClr val="000000"/>
+                </a:solidFill>
+                <a:effectLst/>
+                <a:latin typeface="Times New Roman" panose="02020603050405020304" pitchFamily="18" charset="0"/>
+                <a:cs typeface="Times New Roman" panose="02020603050405020304" pitchFamily="18" charset="0"/>
+              </a:rPr>
+              <a:t>IncMSE</a:t>
+            </a:r>
+            <a:r>
+              <a:rPr lang="en-US" sz="1400" b="1" i="0" u="none" strike="noStrike" dirty="0">
+                <a:solidFill>
+                  <a:srgbClr val="000000"/>
+                </a:solidFill>
+                <a:effectLst/>
+                <a:latin typeface="Times New Roman" panose="02020603050405020304" pitchFamily="18" charset="0"/>
+                <a:cs typeface="Times New Roman" panose="02020603050405020304" pitchFamily="18" charset="0"/>
+              </a:rPr>
+              <a:t> :</a:t>
+            </a:r>
+            <a:endParaRPr lang="en-US" sz="1400" b="0" i="0" u="none" strike="noStrike" dirty="0">
+              <a:solidFill>
+                <a:srgbClr val="000000"/>
+              </a:solidFill>
+              <a:effectLst/>
+              <a:latin typeface="Times New Roman" panose="02020603050405020304" pitchFamily="18" charset="0"/>
+              <a:cs typeface="Times New Roman" panose="02020603050405020304" pitchFamily="18" charset="0"/>
+            </a:endParaRPr>
+          </a:p>
+          <a:p>
+            <a:pPr marL="171450" indent="-171450" algn="l">
+              <a:lnSpc>
+                <a:spcPct val="150000"/>
+              </a:lnSpc>
+              <a:buFont typeface="Arial" panose="020B0604020202020204" pitchFamily="34" charset="0"/>
+              <a:buChar char="•"/>
+            </a:pPr>
+            <a:r>
+              <a:rPr lang="en-US" sz="1400" b="0" i="0" u="none" strike="noStrike" dirty="0">
+                <a:solidFill>
+                  <a:srgbClr val="000000"/>
+                </a:solidFill>
+                <a:effectLst/>
+                <a:latin typeface="Times New Roman" panose="02020603050405020304" pitchFamily="18" charset="0"/>
+                <a:cs typeface="Times New Roman" panose="02020603050405020304" pitchFamily="18" charset="0"/>
+              </a:rPr>
+              <a:t>%</a:t>
+            </a:r>
+            <a:r>
+              <a:rPr lang="en-US" sz="1400" b="0" i="0" u="none" strike="noStrike" dirty="0" err="1">
+                <a:solidFill>
+                  <a:srgbClr val="000000"/>
+                </a:solidFill>
+                <a:effectLst/>
+                <a:latin typeface="Times New Roman" panose="02020603050405020304" pitchFamily="18" charset="0"/>
+                <a:cs typeface="Times New Roman" panose="02020603050405020304" pitchFamily="18" charset="0"/>
+              </a:rPr>
+              <a:t>IncMSE</a:t>
+            </a:r>
+            <a:r>
+              <a:rPr lang="en-US" sz="1400" b="0" i="0" u="none" strike="noStrike" dirty="0">
+                <a:solidFill>
+                  <a:srgbClr val="000000"/>
+                </a:solidFill>
+                <a:effectLst/>
+                <a:latin typeface="Times New Roman" panose="02020603050405020304" pitchFamily="18" charset="0"/>
+                <a:cs typeface="Times New Roman" panose="02020603050405020304" pitchFamily="18" charset="0"/>
+              </a:rPr>
+              <a:t> = Percent Increase in Mean Squared Error when a variable is randomly shuffled</a:t>
+            </a:r>
+          </a:p>
+          <a:p>
+            <a:pPr marL="171450" indent="-171450" algn="l">
+              <a:lnSpc>
+                <a:spcPct val="150000"/>
+              </a:lnSpc>
+              <a:buFont typeface="Arial" panose="020B0604020202020204" pitchFamily="34" charset="0"/>
+              <a:buChar char="•"/>
+            </a:pPr>
+            <a:r>
+              <a:rPr lang="en-US" sz="1400" b="0" i="0" u="none" strike="noStrike" dirty="0">
+                <a:solidFill>
+                  <a:srgbClr val="000000"/>
+                </a:solidFill>
+                <a:effectLst/>
+                <a:latin typeface="Times New Roman" panose="02020603050405020304" pitchFamily="18" charset="0"/>
+                <a:cs typeface="Times New Roman" panose="02020603050405020304" pitchFamily="18" charset="0"/>
+              </a:rPr>
+              <a:t>Higher values = more important variables for predicting diversity</a:t>
+            </a:r>
+          </a:p>
+          <a:p>
+            <a:pPr marL="171450" indent="-171450" algn="l">
+              <a:lnSpc>
+                <a:spcPct val="150000"/>
+              </a:lnSpc>
+              <a:buFont typeface="Arial" panose="020B0604020202020204" pitchFamily="34" charset="0"/>
+              <a:buChar char="•"/>
+            </a:pPr>
+            <a:r>
+              <a:rPr lang="en-US" sz="1400" b="0" i="0" u="none" strike="noStrike" dirty="0">
+                <a:solidFill>
+                  <a:srgbClr val="000000"/>
+                </a:solidFill>
+                <a:effectLst/>
+                <a:latin typeface="Times New Roman" panose="02020603050405020304" pitchFamily="18" charset="0"/>
+                <a:cs typeface="Times New Roman" panose="02020603050405020304" pitchFamily="18" charset="0"/>
+              </a:rPr>
+              <a:t>Shows how much prediction accuracy drops when that variable is removed</a:t>
+            </a:r>
+          </a:p>
+          <a:p>
+            <a:pPr algn="l">
+              <a:lnSpc>
+                <a:spcPct val="150000"/>
+              </a:lnSpc>
+              <a:buNone/>
+            </a:pPr>
+            <a:r>
+              <a:rPr lang="en-US" sz="1400" b="1" i="0" u="none" strike="noStrike" dirty="0">
+                <a:solidFill>
+                  <a:srgbClr val="000000"/>
+                </a:solidFill>
+                <a:effectLst/>
+                <a:latin typeface="Times New Roman" panose="02020603050405020304" pitchFamily="18" charset="0"/>
+                <a:cs typeface="Times New Roman" panose="02020603050405020304" pitchFamily="18" charset="0"/>
+              </a:rPr>
+              <a:t>Key Findings from the Plot:</a:t>
+            </a:r>
+            <a:endParaRPr lang="en-US" sz="1400" b="0" i="0" u="none" strike="noStrike" dirty="0">
+              <a:solidFill>
+                <a:srgbClr val="000000"/>
+              </a:solidFill>
+              <a:effectLst/>
+              <a:latin typeface="Times New Roman" panose="02020603050405020304" pitchFamily="18" charset="0"/>
+              <a:cs typeface="Times New Roman" panose="02020603050405020304" pitchFamily="18" charset="0"/>
+            </a:endParaRPr>
+          </a:p>
+          <a:p>
+            <a:pPr algn="l">
+              <a:lnSpc>
+                <a:spcPct val="150000"/>
+              </a:lnSpc>
+            </a:pPr>
+            <a:r>
+              <a:rPr lang="en-US" sz="1400" b="1" i="0" u="none" strike="noStrike" dirty="0" err="1">
+                <a:solidFill>
+                  <a:srgbClr val="000000"/>
+                </a:solidFill>
+                <a:effectLst/>
+                <a:latin typeface="Times New Roman" panose="02020603050405020304" pitchFamily="18" charset="0"/>
+                <a:cs typeface="Times New Roman" panose="02020603050405020304" pitchFamily="18" charset="0"/>
+              </a:rPr>
+              <a:t>RecYear</a:t>
+            </a:r>
+            <a:r>
+              <a:rPr lang="en-US" sz="1400" b="1" i="0" u="none" strike="noStrike" dirty="0">
+                <a:solidFill>
+                  <a:srgbClr val="000000"/>
+                </a:solidFill>
+                <a:effectLst/>
+                <a:latin typeface="Times New Roman" panose="02020603050405020304" pitchFamily="18" charset="0"/>
+                <a:cs typeface="Times New Roman" panose="02020603050405020304" pitchFamily="18" charset="0"/>
+              </a:rPr>
+              <a:t> </a:t>
+            </a:r>
+            <a:r>
+              <a:rPr lang="en-US" sz="1400" b="0" i="0" u="none" strike="noStrike" dirty="0">
+                <a:solidFill>
+                  <a:srgbClr val="000000"/>
+                </a:solidFill>
+                <a:effectLst/>
+                <a:latin typeface="Times New Roman" panose="02020603050405020304" pitchFamily="18" charset="0"/>
+                <a:cs typeface="Times New Roman" panose="02020603050405020304" pitchFamily="18" charset="0"/>
+              </a:rPr>
+              <a:t> - Most important predictor (~80% </a:t>
+            </a:r>
+            <a:r>
+              <a:rPr lang="en-US" sz="1400" b="0" i="0" u="none" strike="noStrike" dirty="0" err="1">
+                <a:solidFill>
+                  <a:srgbClr val="000000"/>
+                </a:solidFill>
+                <a:effectLst/>
+                <a:latin typeface="Times New Roman" panose="02020603050405020304" pitchFamily="18" charset="0"/>
+                <a:cs typeface="Times New Roman" panose="02020603050405020304" pitchFamily="18" charset="0"/>
+              </a:rPr>
+              <a:t>IncMSE</a:t>
+            </a:r>
+            <a:r>
+              <a:rPr lang="en-US" sz="1400" b="0" i="0" u="none" strike="noStrike" dirty="0">
+                <a:solidFill>
+                  <a:srgbClr val="000000"/>
+                </a:solidFill>
+                <a:effectLst/>
+                <a:latin typeface="Times New Roman" panose="02020603050405020304" pitchFamily="18" charset="0"/>
+                <a:cs typeface="Times New Roman" panose="02020603050405020304" pitchFamily="18" charset="0"/>
+              </a:rPr>
+              <a:t>)</a:t>
+            </a:r>
+          </a:p>
+          <a:p>
+            <a:pPr marL="742950" lvl="1" indent="-285750" algn="l">
+              <a:lnSpc>
+                <a:spcPct val="150000"/>
+              </a:lnSpc>
+              <a:buFont typeface="Arial" panose="020B0604020202020204" pitchFamily="34" charset="0"/>
+              <a:buChar char="•"/>
+            </a:pPr>
+            <a:r>
+              <a:rPr lang="en-US" sz="1400" b="0" i="0" u="none" strike="noStrike" dirty="0">
+                <a:solidFill>
+                  <a:srgbClr val="000000"/>
+                </a:solidFill>
+                <a:effectLst/>
+                <a:latin typeface="Times New Roman" panose="02020603050405020304" pitchFamily="18" charset="0"/>
+                <a:cs typeface="Times New Roman" panose="02020603050405020304" pitchFamily="18" charset="0"/>
+              </a:rPr>
+              <a:t>Simpson diversity changes significantly over the study period</a:t>
+            </a:r>
+          </a:p>
+          <a:p>
+            <a:pPr algn="l">
+              <a:lnSpc>
+                <a:spcPct val="150000"/>
+              </a:lnSpc>
+            </a:pPr>
+            <a:r>
+              <a:rPr lang="en-US" sz="1400" b="1" i="0" u="none" strike="noStrike" dirty="0">
+                <a:solidFill>
+                  <a:srgbClr val="000000"/>
+                </a:solidFill>
+                <a:effectLst/>
+                <a:latin typeface="Times New Roman" panose="02020603050405020304" pitchFamily="18" charset="0"/>
+                <a:cs typeface="Times New Roman" panose="02020603050405020304" pitchFamily="18" charset="0"/>
+              </a:rPr>
+              <a:t>Watershed</a:t>
+            </a:r>
+            <a:r>
+              <a:rPr lang="en-US" sz="1400" b="0" i="0" u="none" strike="noStrike" dirty="0">
+                <a:solidFill>
+                  <a:srgbClr val="000000"/>
+                </a:solidFill>
+                <a:effectLst/>
+                <a:latin typeface="Times New Roman" panose="02020603050405020304" pitchFamily="18" charset="0"/>
+                <a:cs typeface="Times New Roman" panose="02020603050405020304" pitchFamily="18" charset="0"/>
+              </a:rPr>
+              <a:t> - Second most important (~60% </a:t>
+            </a:r>
+            <a:r>
+              <a:rPr lang="en-US" sz="1400" b="0" i="0" u="none" strike="noStrike" dirty="0" err="1">
+                <a:solidFill>
+                  <a:srgbClr val="000000"/>
+                </a:solidFill>
+                <a:effectLst/>
+                <a:latin typeface="Times New Roman" panose="02020603050405020304" pitchFamily="18" charset="0"/>
+                <a:cs typeface="Times New Roman" panose="02020603050405020304" pitchFamily="18" charset="0"/>
+              </a:rPr>
+              <a:t>IncMSE</a:t>
+            </a:r>
+            <a:r>
+              <a:rPr lang="en-US" sz="1400" b="0" i="0" u="none" strike="noStrike" dirty="0">
+                <a:solidFill>
+                  <a:srgbClr val="000000"/>
+                </a:solidFill>
+                <a:effectLst/>
+                <a:latin typeface="Times New Roman" panose="02020603050405020304" pitchFamily="18" charset="0"/>
+                <a:cs typeface="Times New Roman" panose="02020603050405020304" pitchFamily="18" charset="0"/>
+              </a:rPr>
+              <a:t>)</a:t>
+            </a:r>
+          </a:p>
+          <a:p>
+            <a:pPr marL="742950" lvl="1" indent="-285750" algn="l">
+              <a:lnSpc>
+                <a:spcPct val="150000"/>
+              </a:lnSpc>
+              <a:buFont typeface="Arial" panose="020B0604020202020204" pitchFamily="34" charset="0"/>
+              <a:buChar char="•"/>
+            </a:pPr>
+            <a:r>
+              <a:rPr lang="en-US" sz="1400" b="0" i="0" u="none" strike="noStrike" dirty="0">
+                <a:solidFill>
+                  <a:srgbClr val="000000"/>
+                </a:solidFill>
+                <a:effectLst/>
+                <a:latin typeface="Times New Roman" panose="02020603050405020304" pitchFamily="18" charset="0"/>
+                <a:cs typeface="Times New Roman" panose="02020603050405020304" pitchFamily="18" charset="0"/>
+              </a:rPr>
+              <a:t>Different watersheds have distinct Simpson diversity patterns</a:t>
+            </a:r>
+          </a:p>
+          <a:p>
+            <a:pPr algn="l">
+              <a:lnSpc>
+                <a:spcPct val="150000"/>
+              </a:lnSpc>
+            </a:pPr>
+            <a:r>
+              <a:rPr lang="en-US" sz="1400" b="1" i="0" u="none" strike="noStrike" dirty="0" err="1">
+                <a:solidFill>
+                  <a:srgbClr val="000000"/>
+                </a:solidFill>
+                <a:effectLst/>
+                <a:latin typeface="Times New Roman" panose="02020603050405020304" pitchFamily="18" charset="0"/>
+                <a:cs typeface="Times New Roman" panose="02020603050405020304" pitchFamily="18" charset="0"/>
+              </a:rPr>
+              <a:t>FireInterval_yr</a:t>
+            </a:r>
+            <a:r>
+              <a:rPr lang="en-US" sz="1400" b="0" i="0" u="none" strike="noStrike" dirty="0">
+                <a:solidFill>
+                  <a:srgbClr val="000000"/>
+                </a:solidFill>
+                <a:effectLst/>
+                <a:latin typeface="Times New Roman" panose="02020603050405020304" pitchFamily="18" charset="0"/>
+                <a:cs typeface="Times New Roman" panose="02020603050405020304" pitchFamily="18" charset="0"/>
+              </a:rPr>
+              <a:t> - Moderate importance (~40% </a:t>
+            </a:r>
+            <a:r>
+              <a:rPr lang="en-US" sz="1400" b="0" i="0" u="none" strike="noStrike" dirty="0" err="1">
+                <a:solidFill>
+                  <a:srgbClr val="000000"/>
+                </a:solidFill>
+                <a:effectLst/>
+                <a:latin typeface="Times New Roman" panose="02020603050405020304" pitchFamily="18" charset="0"/>
+                <a:cs typeface="Times New Roman" panose="02020603050405020304" pitchFamily="18" charset="0"/>
+              </a:rPr>
+              <a:t>IncMSE</a:t>
+            </a:r>
+            <a:r>
+              <a:rPr lang="en-US" sz="1400" b="0" i="0" u="none" strike="noStrike" dirty="0">
+                <a:solidFill>
+                  <a:srgbClr val="000000"/>
+                </a:solidFill>
+                <a:effectLst/>
+                <a:latin typeface="Times New Roman" panose="02020603050405020304" pitchFamily="18" charset="0"/>
+                <a:cs typeface="Times New Roman" panose="02020603050405020304" pitchFamily="18" charset="0"/>
+              </a:rPr>
+              <a:t>)</a:t>
+            </a:r>
+          </a:p>
+          <a:p>
+            <a:pPr marL="742950" lvl="1" indent="-285750" algn="l">
+              <a:lnSpc>
+                <a:spcPct val="150000"/>
+              </a:lnSpc>
+              <a:buFont typeface="Arial" panose="020B0604020202020204" pitchFamily="34" charset="0"/>
+              <a:buChar char="•"/>
+            </a:pPr>
+            <a:r>
+              <a:rPr lang="en-US" sz="1400" b="0" i="0" u="none" strike="noStrike" dirty="0">
+                <a:solidFill>
+                  <a:srgbClr val="000000"/>
+                </a:solidFill>
+                <a:effectLst/>
+                <a:latin typeface="Times New Roman" panose="02020603050405020304" pitchFamily="18" charset="0"/>
+                <a:cs typeface="Times New Roman" panose="02020603050405020304" pitchFamily="18" charset="0"/>
+              </a:rPr>
+              <a:t>Fire frequency affects species balance and community evenness</a:t>
+            </a:r>
+          </a:p>
+        </p:txBody>
+      </p:sp>
+      <p:sp>
+        <p:nvSpPr>
+          <p:cNvPr id="13" name="TextBox 12">
+            <a:extLst>
+              <a:ext uri="{FF2B5EF4-FFF2-40B4-BE49-F238E27FC236}">
+                <a16:creationId xmlns:a16="http://schemas.microsoft.com/office/drawing/2014/main" id="{7F2ABDE9-3C85-AE0C-D2C8-9F6E24068A2B}"/>
+              </a:ext>
+            </a:extLst>
+          </p:cNvPr>
+          <p:cNvSpPr txBox="1"/>
+          <p:nvPr/>
+        </p:nvSpPr>
+        <p:spPr>
+          <a:xfrm>
+            <a:off x="914400" y="5399681"/>
+            <a:ext cx="6096000" cy="307777"/>
+          </a:xfrm>
+          <a:prstGeom prst="rect">
+            <a:avLst/>
+          </a:prstGeom>
+          <a:noFill/>
+        </p:spPr>
+        <p:txBody>
+          <a:bodyPr wrap="square">
+            <a:spAutoFit/>
+          </a:bodyPr>
+          <a:lstStyle/>
+          <a:p>
+            <a:r>
+              <a:rPr lang="en-US" sz="1400" b="0" i="0" u="none" strike="noStrike" dirty="0">
+                <a:solidFill>
+                  <a:srgbClr val="000000"/>
+                </a:solidFill>
+                <a:effectLst/>
+                <a:latin typeface="-webkit-standard"/>
+              </a:rPr>
+              <a:t>Fig: Important Factors for Plant Diversity (Simpson Index)</a:t>
+            </a:r>
+            <a:endParaRPr lang="en-US" sz="1400" dirty="0"/>
+          </a:p>
+        </p:txBody>
+      </p:sp>
+    </p:spTree>
+    <p:extLst>
+      <p:ext uri="{BB962C8B-B14F-4D97-AF65-F5344CB8AC3E}">
+        <p14:creationId xmlns:p14="http://schemas.microsoft.com/office/powerpoint/2010/main" val="991704279"/>
+      </p:ext>
+    </p:extLst>
+  </p:cSld>
+  <p:clrMapOvr>
+    <a:masterClrMapping/>
+  </p:clrMapOvr>
+</p:sld>
+</file>
+
+<file path=ppt/slides/slide14.xml><?xml version="1.0" encoding="utf-8"?>
+<p:sld xmlns:a="http://schemas.openxmlformats.org/drawingml/2006/main" xmlns:r="http://schemas.openxmlformats.org/officeDocument/2006/relationships" xmlns:p="http://schemas.openxmlformats.org/presentationml/2006/main">
+  <p:cSld>
+    <p:spTree>
+      <p:nvGrpSpPr>
+        <p:cNvPr id="1" name=""/>
+        <p:cNvGrpSpPr/>
+        <p:nvPr/>
+      </p:nvGrpSpPr>
+      <p:grpSpPr>
+        <a:xfrm>
+          <a:off x="0" y="0"/>
+          <a:ext cx="0" cy="0"/>
+          <a:chOff x="0" y="0"/>
+          <a:chExt cx="0" cy="0"/>
+        </a:xfrm>
+      </p:grpSpPr>
+      <p:pic>
+        <p:nvPicPr>
+          <p:cNvPr id="6" name="Content Placeholder 5" descr="A graph showing the growth of the company's stock market&#10;&#10;AI-generated content may be incorrect.">
+            <a:extLst>
+              <a:ext uri="{FF2B5EF4-FFF2-40B4-BE49-F238E27FC236}">
+                <a16:creationId xmlns:a16="http://schemas.microsoft.com/office/drawing/2014/main" id="{E7A515C1-DD37-C1C7-B569-9600DCC6C106}"/>
+              </a:ext>
+            </a:extLst>
+          </p:cNvPr>
+          <p:cNvPicPr>
+            <a:picLocks noGrp="1" noChangeAspect="1"/>
+          </p:cNvPicPr>
+          <p:nvPr>
+            <p:ph idx="1"/>
+          </p:nvPr>
+        </p:nvPicPr>
+        <p:blipFill>
+          <a:blip r:embed="rId2"/>
+          <a:stretch>
+            <a:fillRect/>
+          </a:stretch>
+        </p:blipFill>
+        <p:spPr>
+          <a:xfrm>
+            <a:off x="565467" y="2749419"/>
+            <a:ext cx="4533702" cy="2797942"/>
+          </a:xfrm>
+        </p:spPr>
+      </p:pic>
+      <p:sp>
+        <p:nvSpPr>
+          <p:cNvPr id="4" name="Slide Number Placeholder 3">
+            <a:extLst>
+              <a:ext uri="{FF2B5EF4-FFF2-40B4-BE49-F238E27FC236}">
+                <a16:creationId xmlns:a16="http://schemas.microsoft.com/office/drawing/2014/main" id="{61A8613A-3701-6AA6-4662-34B725D97D68}"/>
+              </a:ext>
+            </a:extLst>
+          </p:cNvPr>
+          <p:cNvSpPr>
+            <a:spLocks noGrp="1"/>
+          </p:cNvSpPr>
+          <p:nvPr>
+            <p:ph type="sldNum" sz="quarter" idx="12"/>
+          </p:nvPr>
+        </p:nvSpPr>
+        <p:spPr/>
+        <p:txBody>
+          <a:bodyPr/>
+          <a:lstStyle/>
+          <a:p>
+            <a:fld id="{87E7843D-FF13-4365-9478-9625B70A2705}" type="slidenum">
+              <a:rPr lang="en-US" smtClean="0"/>
+              <a:t>14</a:t>
+            </a:fld>
+            <a:endParaRPr lang="en-US"/>
+          </a:p>
+        </p:txBody>
+      </p:sp>
+      <p:pic>
+        <p:nvPicPr>
+          <p:cNvPr id="8" name="Picture 7" descr="A graph with black dots&#10;&#10;AI-generated content may be incorrect.">
+            <a:extLst>
+              <a:ext uri="{FF2B5EF4-FFF2-40B4-BE49-F238E27FC236}">
+                <a16:creationId xmlns:a16="http://schemas.microsoft.com/office/drawing/2014/main" id="{B17568C0-5FA2-CDF1-5111-9DD0D775B369}"/>
+              </a:ext>
+            </a:extLst>
+          </p:cNvPr>
+          <p:cNvPicPr>
+            <a:picLocks noChangeAspect="1"/>
+          </p:cNvPicPr>
+          <p:nvPr/>
+        </p:nvPicPr>
+        <p:blipFill>
+          <a:blip r:embed="rId3"/>
+          <a:stretch>
+            <a:fillRect/>
+          </a:stretch>
+        </p:blipFill>
+        <p:spPr>
+          <a:xfrm>
+            <a:off x="5722818" y="2749419"/>
+            <a:ext cx="4533702" cy="2797942"/>
+          </a:xfrm>
+          <a:prstGeom prst="rect">
+            <a:avLst/>
+          </a:prstGeom>
+        </p:spPr>
+      </p:pic>
+      <p:sp>
+        <p:nvSpPr>
+          <p:cNvPr id="9" name="TextBox 8">
+            <a:extLst>
+              <a:ext uri="{FF2B5EF4-FFF2-40B4-BE49-F238E27FC236}">
+                <a16:creationId xmlns:a16="http://schemas.microsoft.com/office/drawing/2014/main" id="{025EE0F9-18B9-4380-E002-081D0CB635F8}"/>
+              </a:ext>
+            </a:extLst>
+          </p:cNvPr>
+          <p:cNvSpPr txBox="1"/>
+          <p:nvPr/>
+        </p:nvSpPr>
+        <p:spPr>
+          <a:xfrm>
+            <a:off x="340043" y="181094"/>
+            <a:ext cx="6097904" cy="400110"/>
+          </a:xfrm>
+          <a:prstGeom prst="rect">
+            <a:avLst/>
+          </a:prstGeom>
+          <a:noFill/>
+        </p:spPr>
+        <p:txBody>
+          <a:bodyPr wrap="square">
+            <a:spAutoFit/>
+          </a:bodyPr>
+          <a:lstStyle/>
+          <a:p>
+            <a:r>
+              <a:rPr lang="en-US" sz="2000" b="1" cap="all" spc="30" dirty="0">
+                <a:latin typeface="+mj-lt"/>
+                <a:ea typeface="+mj-ea"/>
+                <a:cs typeface="+mj-cs"/>
+              </a:rPr>
+              <a:t>Result Analysis: Simpson response variable</a:t>
+            </a:r>
+            <a:endParaRPr lang="en-US" sz="2000" dirty="0"/>
+          </a:p>
+        </p:txBody>
+      </p:sp>
+      <p:sp>
+        <p:nvSpPr>
+          <p:cNvPr id="11" name="TextBox 10">
+            <a:extLst>
+              <a:ext uri="{FF2B5EF4-FFF2-40B4-BE49-F238E27FC236}">
+                <a16:creationId xmlns:a16="http://schemas.microsoft.com/office/drawing/2014/main" id="{E58505EF-F8EF-1BF8-CFF8-18F1AA4945C2}"/>
+              </a:ext>
+            </a:extLst>
+          </p:cNvPr>
+          <p:cNvSpPr txBox="1"/>
+          <p:nvPr/>
+        </p:nvSpPr>
+        <p:spPr>
+          <a:xfrm>
+            <a:off x="565467" y="785546"/>
+            <a:ext cx="6096000" cy="1525418"/>
+          </a:xfrm>
+          <a:prstGeom prst="rect">
+            <a:avLst/>
+          </a:prstGeom>
+          <a:noFill/>
+        </p:spPr>
+        <p:txBody>
+          <a:bodyPr wrap="square">
+            <a:spAutoFit/>
+          </a:bodyPr>
+          <a:lstStyle/>
+          <a:p>
+            <a:pPr algn="l">
+              <a:lnSpc>
+                <a:spcPct val="150000"/>
+              </a:lnSpc>
+              <a:buNone/>
+            </a:pPr>
+            <a:r>
+              <a:rPr lang="en-US" sz="1600" b="1" i="0" u="none" strike="noStrike" dirty="0">
+                <a:solidFill>
+                  <a:srgbClr val="000000"/>
+                </a:solidFill>
+                <a:effectLst/>
+                <a:latin typeface="Times New Roman" panose="02020603050405020304" pitchFamily="18" charset="0"/>
+                <a:cs typeface="Times New Roman" panose="02020603050405020304" pitchFamily="18" charset="0"/>
+              </a:rPr>
+              <a:t>PDP :</a:t>
+            </a:r>
+            <a:endParaRPr lang="en-US" sz="1600" b="0" i="0" u="none" strike="noStrike" dirty="0">
+              <a:solidFill>
+                <a:srgbClr val="000000"/>
+              </a:solidFill>
+              <a:effectLst/>
+              <a:latin typeface="Times New Roman" panose="02020603050405020304" pitchFamily="18" charset="0"/>
+              <a:cs typeface="Times New Roman" panose="02020603050405020304" pitchFamily="18" charset="0"/>
+            </a:endParaRPr>
+          </a:p>
+          <a:p>
+            <a:pPr marL="285750" indent="-285750" algn="l">
+              <a:lnSpc>
+                <a:spcPct val="150000"/>
+              </a:lnSpc>
+              <a:buFont typeface="Arial" panose="020B0604020202020204" pitchFamily="34" charset="0"/>
+              <a:buChar char="•"/>
+            </a:pPr>
+            <a:r>
+              <a:rPr lang="en-US" sz="1600" b="0" i="0" u="none" strike="noStrike" dirty="0">
+                <a:solidFill>
+                  <a:srgbClr val="000000"/>
+                </a:solidFill>
+                <a:effectLst/>
+                <a:latin typeface="Times New Roman" panose="02020603050405020304" pitchFamily="18" charset="0"/>
+                <a:cs typeface="Times New Roman" panose="02020603050405020304" pitchFamily="18" charset="0"/>
+              </a:rPr>
+              <a:t>Shows how each variable affects Simpson diversity when other factors are held constant</a:t>
+            </a:r>
+          </a:p>
+          <a:p>
+            <a:pPr marL="285750" indent="-285750" algn="l">
+              <a:lnSpc>
+                <a:spcPct val="150000"/>
+              </a:lnSpc>
+              <a:buFont typeface="Arial" panose="020B0604020202020204" pitchFamily="34" charset="0"/>
+              <a:buChar char="•"/>
+            </a:pPr>
+            <a:r>
+              <a:rPr lang="en-US" sz="1600" b="0" i="0" u="none" strike="noStrike" dirty="0">
+                <a:solidFill>
+                  <a:srgbClr val="000000"/>
+                </a:solidFill>
+                <a:effectLst/>
+                <a:latin typeface="Times New Roman" panose="02020603050405020304" pitchFamily="18" charset="0"/>
+                <a:cs typeface="Times New Roman" panose="02020603050405020304" pitchFamily="18" charset="0"/>
+              </a:rPr>
+              <a:t>Reveals pure effect of individual predictors on plant diversity</a:t>
+            </a:r>
+          </a:p>
+        </p:txBody>
+      </p:sp>
+      <p:sp>
+        <p:nvSpPr>
+          <p:cNvPr id="13" name="TextBox 12">
+            <a:extLst>
+              <a:ext uri="{FF2B5EF4-FFF2-40B4-BE49-F238E27FC236}">
+                <a16:creationId xmlns:a16="http://schemas.microsoft.com/office/drawing/2014/main" id="{E6770A1E-AAC5-3820-CE33-41089135DDA7}"/>
+              </a:ext>
+            </a:extLst>
+          </p:cNvPr>
+          <p:cNvSpPr txBox="1"/>
+          <p:nvPr/>
+        </p:nvSpPr>
+        <p:spPr>
+          <a:xfrm>
+            <a:off x="3279338" y="5678039"/>
+            <a:ext cx="6977182" cy="307777"/>
+          </a:xfrm>
+          <a:prstGeom prst="rect">
+            <a:avLst/>
+          </a:prstGeom>
+          <a:noFill/>
+        </p:spPr>
+        <p:txBody>
+          <a:bodyPr wrap="square">
+            <a:spAutoFit/>
+          </a:bodyPr>
+          <a:lstStyle/>
+          <a:p>
+            <a:r>
+              <a:rPr lang="en-US" sz="1400" b="0" i="0" u="none" strike="noStrike" dirty="0">
+                <a:solidFill>
+                  <a:srgbClr val="000000"/>
+                </a:solidFill>
+                <a:effectLst/>
+                <a:latin typeface="-webkit-standard"/>
+              </a:rPr>
+              <a:t>Fig: Simpson Diversity: Time and Watershed Effects with PDP Analysis</a:t>
+            </a:r>
+            <a:endParaRPr lang="en-US" sz="1400" dirty="0"/>
+          </a:p>
+        </p:txBody>
+      </p:sp>
+    </p:spTree>
+    <p:extLst>
+      <p:ext uri="{BB962C8B-B14F-4D97-AF65-F5344CB8AC3E}">
+        <p14:creationId xmlns:p14="http://schemas.microsoft.com/office/powerpoint/2010/main" val="1616896195"/>
+      </p:ext>
+    </p:extLst>
+  </p:cSld>
+  <p:clrMapOvr>
+    <a:masterClrMapping/>
+  </p:clrMapOvr>
+</p:sld>
+</file>
+
 <file path=ppt/slides/slide2.xml><?xml version="1.0" encoding="utf-8"?>
 <p:sld xmlns:a="http://schemas.openxmlformats.org/drawingml/2006/main" xmlns:r="http://schemas.openxmlformats.org/officeDocument/2006/relationships" xmlns:p="http://schemas.openxmlformats.org/presentationml/2006/main">
   <p:cSld>
@@ -7266,6 +8194,79 @@
           <a:p>
             <a:pPr algn="ctr"/>
             <a:endParaRPr lang="en-US"/>
+          </a:p>
+        </p:txBody>
+      </p:sp>
+      <p:sp>
+        <p:nvSpPr>
+          <p:cNvPr id="14" name="TextBox 13">
+            <a:extLst>
+              <a:ext uri="{FF2B5EF4-FFF2-40B4-BE49-F238E27FC236}">
+                <a16:creationId xmlns:a16="http://schemas.microsoft.com/office/drawing/2014/main" id="{4078033B-207F-EEBD-0EDB-89BD51E4E05F}"/>
+              </a:ext>
+            </a:extLst>
+          </p:cNvPr>
+          <p:cNvSpPr txBox="1"/>
+          <p:nvPr/>
+        </p:nvSpPr>
+        <p:spPr>
+          <a:xfrm>
+            <a:off x="7719806" y="3905065"/>
+            <a:ext cx="4472194" cy="954107"/>
+          </a:xfrm>
+          <a:prstGeom prst="rect">
+            <a:avLst/>
+          </a:prstGeom>
+          <a:noFill/>
+        </p:spPr>
+        <p:txBody>
+          <a:bodyPr wrap="square">
+            <a:spAutoFit/>
+          </a:bodyPr>
+          <a:lstStyle/>
+          <a:p>
+            <a:r>
+              <a:rPr lang="en-US" sz="1400" b="1" i="0" u="none" strike="noStrike" dirty="0" err="1">
+                <a:solidFill>
+                  <a:srgbClr val="000000"/>
+                </a:solidFill>
+                <a:effectLst/>
+              </a:rPr>
+              <a:t>FireInterval_yr</a:t>
+            </a:r>
+            <a:r>
+              <a:rPr lang="en-US" sz="1400" b="1" i="0" u="none" strike="noStrike" dirty="0">
+                <a:solidFill>
+                  <a:srgbClr val="000000"/>
+                </a:solidFill>
+                <a:effectLst/>
+              </a:rPr>
+              <a:t>:</a:t>
+            </a:r>
+            <a:r>
+              <a:rPr lang="en-US" sz="1400" b="0" i="0" u="none" strike="noStrike" dirty="0">
+                <a:solidFill>
+                  <a:srgbClr val="000000"/>
+                </a:solidFill>
+                <a:effectLst/>
+                <a:latin typeface="-webkit-standard"/>
+              </a:rPr>
+              <a:t> How often prescribed burns occur in each watershed</a:t>
+            </a:r>
+          </a:p>
+          <a:p>
+            <a:r>
+              <a:rPr lang="en-US" sz="1400" b="1" dirty="0" err="1"/>
+              <a:t>FireSeason</a:t>
+            </a:r>
+            <a:r>
+              <a:rPr lang="en-US" sz="1400" b="1" dirty="0"/>
+              <a:t>:</a:t>
+            </a:r>
+            <a:r>
+              <a:rPr lang="en-US" sz="1400" dirty="0"/>
+              <a:t> When during the year controlled burns are conducted</a:t>
+            </a:r>
           </a:p>
         </p:txBody>
       </p:sp>

--- a/Presentation/Bison Impact on GrassLand.pptx
+++ b/Presentation/Bison Impact on GrassLand.pptx
@@ -6127,7 +6127,18 @@
                 <a:latin typeface="Times New Roman" panose="02020603050405020304" pitchFamily="18" charset="0"/>
                 <a:cs typeface="Times New Roman" panose="02020603050405020304" pitchFamily="18" charset="0"/>
               </a:rPr>
-              <a:t>PDP :</a:t>
+              <a:t>PDP  (</a:t>
+            </a:r>
+            <a:r>
+              <a:rPr lang="en-US" sz="1600" b="1" i="0" u="none" strike="noStrike">
+                <a:solidFill>
+                  <a:srgbClr val="000000"/>
+                </a:solidFill>
+                <a:effectLst/>
+                <a:latin typeface="Times New Roman" panose="02020603050405020304" pitchFamily="18" charset="0"/>
+                <a:cs typeface="Times New Roman" panose="02020603050405020304" pitchFamily="18" charset="0"/>
+              </a:rPr>
+              <a:t>Partial Dependency Plot):</a:t>
             </a:r>
             <a:endParaRPr lang="en-US" sz="1600" b="0" i="0" u="none" strike="noStrike" dirty="0">
               <a:solidFill>

--- a/Presentation/Bison Impact on GrassLand.pptx
+++ b/Presentation/Bison Impact on GrassLand.pptx
@@ -5,7 +5,7 @@
     <p:sldMasterId id="2147483686" r:id="rId1"/>
   </p:sldMasterIdLst>
   <p:notesMasterIdLst>
-    <p:notesMasterId r:id="rId16"/>
+    <p:notesMasterId r:id="rId18"/>
   </p:notesMasterIdLst>
   <p:sldIdLst>
     <p:sldId id="256" r:id="rId2"/>
@@ -22,6 +22,8 @@
     <p:sldId id="267" r:id="rId13"/>
     <p:sldId id="268" r:id="rId14"/>
     <p:sldId id="269" r:id="rId15"/>
+    <p:sldId id="270" r:id="rId16"/>
+    <p:sldId id="271" r:id="rId17"/>
   </p:sldIdLst>
   <p:sldSz cx="12192000" cy="6858000"/>
   <p:notesSz cx="6858000" cy="9144000"/>
@@ -4534,7 +4536,7 @@
                 <a:latin typeface="Times New Roman" panose="02020603050405020304" pitchFamily="18" charset="0"/>
                 <a:cs typeface="Times New Roman" panose="02020603050405020304" pitchFamily="18" charset="0"/>
               </a:rPr>
-              <a:t>: Probability-based metric emphasizing dominance and species distribution</a:t>
+              <a:t>: Probability-based metric emphasizing species evenness</a:t>
             </a:r>
           </a:p>
         </p:txBody>
@@ -5460,7 +5462,7 @@
         </p:blipFill>
         <p:spPr>
           <a:xfrm>
-            <a:off x="340043" y="2247424"/>
+            <a:off x="340043" y="2254145"/>
             <a:ext cx="5201284" cy="3209935"/>
           </a:xfrm>
           <a:prstGeom prst="rect">
@@ -5898,7 +5900,7 @@
         </p:nvSpPr>
         <p:spPr>
           <a:xfrm>
-            <a:off x="914400" y="5399681"/>
+            <a:off x="839244" y="5856150"/>
             <a:ext cx="6096000" cy="307777"/>
           </a:xfrm>
           <a:prstGeom prst="rect">
@@ -5923,6 +5925,44 @@
               <a:t>Fig: Important Factors for Plant Diversity (Simpson Index)</a:t>
             </a:r>
             <a:endParaRPr lang="en-US" sz="1400" dirty="0"/>
+          </a:p>
+        </p:txBody>
+      </p:sp>
+      <p:sp>
+        <p:nvSpPr>
+          <p:cNvPr id="15" name="TextBox 14">
+            <a:extLst>
+              <a:ext uri="{FF2B5EF4-FFF2-40B4-BE49-F238E27FC236}">
+                <a16:creationId xmlns:a16="http://schemas.microsoft.com/office/drawing/2014/main" id="{D137B041-14DC-7051-D667-8752C934A929}"/>
+              </a:ext>
+            </a:extLst>
+          </p:cNvPr>
+          <p:cNvSpPr txBox="1"/>
+          <p:nvPr/>
+        </p:nvSpPr>
+        <p:spPr>
+          <a:xfrm>
+            <a:off x="643436" y="5352337"/>
+            <a:ext cx="6100174" cy="307777"/>
+          </a:xfrm>
+          <a:prstGeom prst="rect">
+            <a:avLst/>
+          </a:prstGeom>
+          <a:noFill/>
+        </p:spPr>
+        <p:txBody>
+          <a:bodyPr wrap="square">
+            <a:spAutoFit/>
+          </a:bodyPr>
+          <a:lstStyle/>
+          <a:p>
+            <a:r>
+              <a:rPr lang="en-US" sz="1400" dirty="0">
+                <a:latin typeface="Times New Roman" panose="02020603050405020304" pitchFamily="18" charset="0"/>
+                <a:cs typeface="Times New Roman" panose="02020603050405020304" pitchFamily="18" charset="0"/>
+              </a:rPr>
+              <a:t>Mean of squared residuals: 0.02492281 % Var explained: 19.52</a:t>
+            </a:r>
           </a:p>
         </p:txBody>
       </p:sp>
@@ -6014,12 +6054,190 @@
           </a:p>
         </p:txBody>
       </p:sp>
+      <p:sp>
+        <p:nvSpPr>
+          <p:cNvPr id="9" name="TextBox 8">
+            <a:extLst>
+              <a:ext uri="{FF2B5EF4-FFF2-40B4-BE49-F238E27FC236}">
+                <a16:creationId xmlns:a16="http://schemas.microsoft.com/office/drawing/2014/main" id="{025EE0F9-18B9-4380-E002-081D0CB635F8}"/>
+              </a:ext>
+            </a:extLst>
+          </p:cNvPr>
+          <p:cNvSpPr txBox="1"/>
+          <p:nvPr/>
+        </p:nvSpPr>
+        <p:spPr>
+          <a:xfrm>
+            <a:off x="340043" y="181094"/>
+            <a:ext cx="6097904" cy="400110"/>
+          </a:xfrm>
+          <a:prstGeom prst="rect">
+            <a:avLst/>
+          </a:prstGeom>
+          <a:noFill/>
+        </p:spPr>
+        <p:txBody>
+          <a:bodyPr wrap="square">
+            <a:spAutoFit/>
+          </a:bodyPr>
+          <a:lstStyle/>
+          <a:p>
+            <a:r>
+              <a:rPr lang="en-US" sz="2000" b="1" cap="all" spc="30" dirty="0">
+                <a:latin typeface="+mj-lt"/>
+                <a:ea typeface="+mj-ea"/>
+                <a:cs typeface="+mj-cs"/>
+              </a:rPr>
+              <a:t>Result Analysis: Simpson response variable</a:t>
+            </a:r>
+            <a:endParaRPr lang="en-US" sz="2000" dirty="0"/>
+          </a:p>
+        </p:txBody>
+      </p:sp>
+      <p:sp>
+        <p:nvSpPr>
+          <p:cNvPr id="11" name="TextBox 10">
+            <a:extLst>
+              <a:ext uri="{FF2B5EF4-FFF2-40B4-BE49-F238E27FC236}">
+                <a16:creationId xmlns:a16="http://schemas.microsoft.com/office/drawing/2014/main" id="{E58505EF-F8EF-1BF8-CFF8-18F1AA4945C2}"/>
+              </a:ext>
+            </a:extLst>
+          </p:cNvPr>
+          <p:cNvSpPr txBox="1"/>
+          <p:nvPr/>
+        </p:nvSpPr>
+        <p:spPr>
+          <a:xfrm>
+            <a:off x="565467" y="785546"/>
+            <a:ext cx="6096000" cy="1525418"/>
+          </a:xfrm>
+          <a:prstGeom prst="rect">
+            <a:avLst/>
+          </a:prstGeom>
+          <a:noFill/>
+        </p:spPr>
+        <p:txBody>
+          <a:bodyPr wrap="square">
+            <a:spAutoFit/>
+          </a:bodyPr>
+          <a:lstStyle/>
+          <a:p>
+            <a:pPr algn="l">
+              <a:lnSpc>
+                <a:spcPct val="150000"/>
+              </a:lnSpc>
+              <a:buNone/>
+            </a:pPr>
+            <a:r>
+              <a:rPr lang="en-US" sz="1600" b="1" i="0" u="none" strike="noStrike" dirty="0">
+                <a:solidFill>
+                  <a:srgbClr val="000000"/>
+                </a:solidFill>
+                <a:effectLst/>
+                <a:latin typeface="Times New Roman" panose="02020603050405020304" pitchFamily="18" charset="0"/>
+                <a:cs typeface="Times New Roman" panose="02020603050405020304" pitchFamily="18" charset="0"/>
+              </a:rPr>
+              <a:t>PDP  (Partial Dependency Plot):</a:t>
+            </a:r>
+            <a:endParaRPr lang="en-US" sz="1600" b="0" i="0" u="none" strike="noStrike" dirty="0">
+              <a:solidFill>
+                <a:srgbClr val="000000"/>
+              </a:solidFill>
+              <a:effectLst/>
+              <a:latin typeface="Times New Roman" panose="02020603050405020304" pitchFamily="18" charset="0"/>
+              <a:cs typeface="Times New Roman" panose="02020603050405020304" pitchFamily="18" charset="0"/>
+            </a:endParaRPr>
+          </a:p>
+          <a:p>
+            <a:pPr marL="285750" indent="-285750" algn="l">
+              <a:lnSpc>
+                <a:spcPct val="150000"/>
+              </a:lnSpc>
+              <a:buFont typeface="Arial" panose="020B0604020202020204" pitchFamily="34" charset="0"/>
+              <a:buChar char="•"/>
+            </a:pPr>
+            <a:r>
+              <a:rPr lang="en-US" sz="1600" b="0" i="0" u="none" strike="noStrike" dirty="0">
+                <a:solidFill>
+                  <a:srgbClr val="000000"/>
+                </a:solidFill>
+                <a:effectLst/>
+                <a:latin typeface="Times New Roman" panose="02020603050405020304" pitchFamily="18" charset="0"/>
+                <a:cs typeface="Times New Roman" panose="02020603050405020304" pitchFamily="18" charset="0"/>
+              </a:rPr>
+              <a:t>Shows how each variable affects Simpson diversity when other factors are held constant</a:t>
+            </a:r>
+          </a:p>
+          <a:p>
+            <a:pPr marL="285750" indent="-285750" algn="l">
+              <a:lnSpc>
+                <a:spcPct val="150000"/>
+              </a:lnSpc>
+              <a:buFont typeface="Arial" panose="020B0604020202020204" pitchFamily="34" charset="0"/>
+              <a:buChar char="•"/>
+            </a:pPr>
+            <a:r>
+              <a:rPr lang="en-US" sz="1600" b="0" i="0" u="none" strike="noStrike" dirty="0">
+                <a:solidFill>
+                  <a:srgbClr val="000000"/>
+                </a:solidFill>
+                <a:effectLst/>
+                <a:latin typeface="Times New Roman" panose="02020603050405020304" pitchFamily="18" charset="0"/>
+                <a:cs typeface="Times New Roman" panose="02020603050405020304" pitchFamily="18" charset="0"/>
+              </a:rPr>
+              <a:t>Reveals pure effect of individual predictors on plant diversity</a:t>
+            </a:r>
+          </a:p>
+        </p:txBody>
+      </p:sp>
+      <p:sp>
+        <p:nvSpPr>
+          <p:cNvPr id="13" name="TextBox 12">
+            <a:extLst>
+              <a:ext uri="{FF2B5EF4-FFF2-40B4-BE49-F238E27FC236}">
+                <a16:creationId xmlns:a16="http://schemas.microsoft.com/office/drawing/2014/main" id="{E6770A1E-AAC5-3820-CE33-41089135DDA7}"/>
+              </a:ext>
+            </a:extLst>
+          </p:cNvPr>
+          <p:cNvSpPr txBox="1"/>
+          <p:nvPr/>
+        </p:nvSpPr>
+        <p:spPr>
+          <a:xfrm>
+            <a:off x="3279338" y="5678039"/>
+            <a:ext cx="6977182" cy="307777"/>
+          </a:xfrm>
+          <a:prstGeom prst="rect">
+            <a:avLst/>
+          </a:prstGeom>
+          <a:noFill/>
+        </p:spPr>
+        <p:txBody>
+          <a:bodyPr wrap="square">
+            <a:spAutoFit/>
+          </a:bodyPr>
+          <a:lstStyle/>
+          <a:p>
+            <a:r>
+              <a:rPr lang="en-US" sz="1400" b="0" i="0" u="none" strike="noStrike" dirty="0">
+                <a:solidFill>
+                  <a:srgbClr val="000000"/>
+                </a:solidFill>
+                <a:effectLst/>
+                <a:latin typeface="-webkit-standard"/>
+              </a:rPr>
+              <a:t>Fig: Simpson Diversity: Time and Watershed Effects with PDP Analysis</a:t>
+            </a:r>
+            <a:endParaRPr lang="en-US" sz="1400" dirty="0"/>
+          </a:p>
+        </p:txBody>
+      </p:sp>
       <p:pic>
         <p:nvPicPr>
-          <p:cNvPr id="8" name="Picture 7" descr="A graph with black dots&#10;&#10;AI-generated content may be incorrect.">
-            <a:extLst>
-              <a:ext uri="{FF2B5EF4-FFF2-40B4-BE49-F238E27FC236}">
-                <a16:creationId xmlns:a16="http://schemas.microsoft.com/office/drawing/2014/main" id="{B17568C0-5FA2-CDF1-5111-9DD0D775B369}"/>
+          <p:cNvPr id="15" name="Picture 14" descr="A graph with different colored dots&#10;&#10;AI-generated content may be incorrect.">
+            <a:extLst>
+              <a:ext uri="{FF2B5EF4-FFF2-40B4-BE49-F238E27FC236}">
+                <a16:creationId xmlns:a16="http://schemas.microsoft.com/office/drawing/2014/main" id="{9F782D7F-06D9-8DBC-D9D3-80214CA9D139}"/>
               </a:ext>
             </a:extLst>
           </p:cNvPr>
@@ -6036,203 +6254,14 @@
         </p:blipFill>
         <p:spPr>
           <a:xfrm>
-            <a:off x="5722818" y="2749419"/>
-            <a:ext cx="4533702" cy="2797942"/>
+            <a:off x="5791199" y="2867065"/>
+            <a:ext cx="4343073" cy="2680296"/>
           </a:xfrm>
           <a:prstGeom prst="rect">
             <a:avLst/>
           </a:prstGeom>
         </p:spPr>
       </p:pic>
-      <p:sp>
-        <p:nvSpPr>
-          <p:cNvPr id="9" name="TextBox 8">
-            <a:extLst>
-              <a:ext uri="{FF2B5EF4-FFF2-40B4-BE49-F238E27FC236}">
-                <a16:creationId xmlns:a16="http://schemas.microsoft.com/office/drawing/2014/main" id="{025EE0F9-18B9-4380-E002-081D0CB635F8}"/>
-              </a:ext>
-            </a:extLst>
-          </p:cNvPr>
-          <p:cNvSpPr txBox="1"/>
-          <p:nvPr/>
-        </p:nvSpPr>
-        <p:spPr>
-          <a:xfrm>
-            <a:off x="340043" y="181094"/>
-            <a:ext cx="6097904" cy="400110"/>
-          </a:xfrm>
-          <a:prstGeom prst="rect">
-            <a:avLst/>
-          </a:prstGeom>
-          <a:noFill/>
-        </p:spPr>
-        <p:txBody>
-          <a:bodyPr wrap="square">
-            <a:spAutoFit/>
-          </a:bodyPr>
-          <a:lstStyle/>
-          <a:p>
-            <a:r>
-              <a:rPr lang="en-US" sz="2000" b="1" cap="all" spc="30" dirty="0">
-                <a:latin typeface="+mj-lt"/>
-                <a:ea typeface="+mj-ea"/>
-                <a:cs typeface="+mj-cs"/>
-              </a:rPr>
-              <a:t>Result Analysis: Simpson response variable</a:t>
-            </a:r>
-            <a:endParaRPr lang="en-US" sz="2000" dirty="0"/>
-          </a:p>
-        </p:txBody>
-      </p:sp>
-      <p:sp>
-        <p:nvSpPr>
-          <p:cNvPr id="11" name="TextBox 10">
-            <a:extLst>
-              <a:ext uri="{FF2B5EF4-FFF2-40B4-BE49-F238E27FC236}">
-                <a16:creationId xmlns:a16="http://schemas.microsoft.com/office/drawing/2014/main" id="{E58505EF-F8EF-1BF8-CFF8-18F1AA4945C2}"/>
-              </a:ext>
-            </a:extLst>
-          </p:cNvPr>
-          <p:cNvSpPr txBox="1"/>
-          <p:nvPr/>
-        </p:nvSpPr>
-        <p:spPr>
-          <a:xfrm>
-            <a:off x="565467" y="785546"/>
-            <a:ext cx="6096000" cy="1525418"/>
-          </a:xfrm>
-          <a:prstGeom prst="rect">
-            <a:avLst/>
-          </a:prstGeom>
-          <a:noFill/>
-        </p:spPr>
-        <p:txBody>
-          <a:bodyPr wrap="square">
-            <a:spAutoFit/>
-          </a:bodyPr>
-          <a:lstStyle/>
-          <a:p>
-            <a:pPr algn="l">
-              <a:lnSpc>
-                <a:spcPct val="150000"/>
-              </a:lnSpc>
-              <a:buNone/>
-            </a:pPr>
-            <a:r>
-              <a:rPr lang="en-US" sz="1600" b="1" i="0" u="none" strike="noStrike" dirty="0">
-                <a:solidFill>
-                  <a:srgbClr val="000000"/>
-                </a:solidFill>
-                <a:effectLst/>
-                <a:latin typeface="Times New Roman" panose="02020603050405020304" pitchFamily="18" charset="0"/>
-                <a:cs typeface="Times New Roman" panose="02020603050405020304" pitchFamily="18" charset="0"/>
-              </a:rPr>
-              <a:t>PDP  (</a:t>
-            </a:r>
-            <a:r>
-              <a:rPr lang="en-US" sz="1600" b="1" i="0" u="none" strike="noStrike">
-                <a:solidFill>
-                  <a:srgbClr val="000000"/>
-                </a:solidFill>
-                <a:effectLst/>
-                <a:latin typeface="Times New Roman" panose="02020603050405020304" pitchFamily="18" charset="0"/>
-                <a:cs typeface="Times New Roman" panose="02020603050405020304" pitchFamily="18" charset="0"/>
-              </a:rPr>
-              <a:t>Partial Dependency Plot):</a:t>
-            </a:r>
-            <a:endParaRPr lang="en-US" sz="1600" b="0" i="0" u="none" strike="noStrike" dirty="0">
-              <a:solidFill>
-                <a:srgbClr val="000000"/>
-              </a:solidFill>
-              <a:effectLst/>
-              <a:latin typeface="Times New Roman" panose="02020603050405020304" pitchFamily="18" charset="0"/>
-              <a:cs typeface="Times New Roman" panose="02020603050405020304" pitchFamily="18" charset="0"/>
-            </a:endParaRPr>
-          </a:p>
-          <a:p>
-            <a:pPr marL="285750" indent="-285750" algn="l">
-              <a:lnSpc>
-                <a:spcPct val="150000"/>
-              </a:lnSpc>
-              <a:buFont typeface="Arial" panose="020B0604020202020204" pitchFamily="34" charset="0"/>
-              <a:buChar char="•"/>
-            </a:pPr>
-            <a:r>
-              <a:rPr lang="en-US" sz="1600" b="0" i="0" u="none" strike="noStrike" dirty="0">
-                <a:solidFill>
-                  <a:srgbClr val="000000"/>
-                </a:solidFill>
-                <a:effectLst/>
-                <a:latin typeface="Times New Roman" panose="02020603050405020304" pitchFamily="18" charset="0"/>
-                <a:cs typeface="Times New Roman" panose="02020603050405020304" pitchFamily="18" charset="0"/>
-              </a:rPr>
-              <a:t>Shows how each variable affects Simpson diversity when other factors are held constant</a:t>
-            </a:r>
-          </a:p>
-          <a:p>
-            <a:pPr marL="285750" indent="-285750" algn="l">
-              <a:lnSpc>
-                <a:spcPct val="150000"/>
-              </a:lnSpc>
-              <a:buFont typeface="Arial" panose="020B0604020202020204" pitchFamily="34" charset="0"/>
-              <a:buChar char="•"/>
-            </a:pPr>
-            <a:r>
-              <a:rPr lang="en-US" sz="1600" b="0" i="0" u="none" strike="noStrike" dirty="0">
-                <a:solidFill>
-                  <a:srgbClr val="000000"/>
-                </a:solidFill>
-                <a:effectLst/>
-                <a:latin typeface="Times New Roman" panose="02020603050405020304" pitchFamily="18" charset="0"/>
-                <a:cs typeface="Times New Roman" panose="02020603050405020304" pitchFamily="18" charset="0"/>
-              </a:rPr>
-              <a:t>Reveals pure effect of individual predictors on plant diversity</a:t>
-            </a:r>
-          </a:p>
-        </p:txBody>
-      </p:sp>
-      <p:sp>
-        <p:nvSpPr>
-          <p:cNvPr id="13" name="TextBox 12">
-            <a:extLst>
-              <a:ext uri="{FF2B5EF4-FFF2-40B4-BE49-F238E27FC236}">
-                <a16:creationId xmlns:a16="http://schemas.microsoft.com/office/drawing/2014/main" id="{E6770A1E-AAC5-3820-CE33-41089135DDA7}"/>
-              </a:ext>
-            </a:extLst>
-          </p:cNvPr>
-          <p:cNvSpPr txBox="1"/>
-          <p:nvPr/>
-        </p:nvSpPr>
-        <p:spPr>
-          <a:xfrm>
-            <a:off x="3279338" y="5678039"/>
-            <a:ext cx="6977182" cy="307777"/>
-          </a:xfrm>
-          <a:prstGeom prst="rect">
-            <a:avLst/>
-          </a:prstGeom>
-          <a:noFill/>
-        </p:spPr>
-        <p:txBody>
-          <a:bodyPr wrap="square">
-            <a:spAutoFit/>
-          </a:bodyPr>
-          <a:lstStyle/>
-          <a:p>
-            <a:r>
-              <a:rPr lang="en-US" sz="1400" b="0" i="0" u="none" strike="noStrike" dirty="0">
-                <a:solidFill>
-                  <a:srgbClr val="000000"/>
-                </a:solidFill>
-                <a:effectLst/>
-                <a:latin typeface="-webkit-standard"/>
-              </a:rPr>
-              <a:t>Fig: Simpson Diversity: Time and Watershed Effects with PDP Analysis</a:t>
-            </a:r>
-            <a:endParaRPr lang="en-US" sz="1400" dirty="0"/>
-          </a:p>
-        </p:txBody>
-      </p:sp>
     </p:spTree>
     <p:extLst>
       <p:ext uri="{BB962C8B-B14F-4D97-AF65-F5344CB8AC3E}">
@@ -6243,6 +6272,800 @@
   <p:clrMapOvr>
     <a:masterClrMapping/>
   </p:clrMapOvr>
+</p:sld>
+</file>
+
+<file path=ppt/slides/slide15.xml><?xml version="1.0" encoding="utf-8"?>
+<p:sld xmlns:a="http://schemas.openxmlformats.org/drawingml/2006/main" xmlns:r="http://schemas.openxmlformats.org/officeDocument/2006/relationships" xmlns:p="http://schemas.openxmlformats.org/presentationml/2006/main">
+  <p:cSld>
+    <p:spTree>
+      <p:nvGrpSpPr>
+        <p:cNvPr id="1" name=""/>
+        <p:cNvGrpSpPr/>
+        <p:nvPr/>
+      </p:nvGrpSpPr>
+      <p:grpSpPr>
+        <a:xfrm>
+          <a:off x="0" y="0"/>
+          <a:ext cx="0" cy="0"/>
+          <a:chOff x="0" y="0"/>
+          <a:chExt cx="0" cy="0"/>
+        </a:xfrm>
+      </p:grpSpPr>
+      <p:sp>
+        <p:nvSpPr>
+          <p:cNvPr id="4" name="Slide Number Placeholder 3">
+            <a:extLst>
+              <a:ext uri="{FF2B5EF4-FFF2-40B4-BE49-F238E27FC236}">
+                <a16:creationId xmlns:a16="http://schemas.microsoft.com/office/drawing/2014/main" id="{88C3962B-DAA3-C68E-81DB-045AC837208E}"/>
+              </a:ext>
+            </a:extLst>
+          </p:cNvPr>
+          <p:cNvSpPr>
+            <a:spLocks noGrp="1"/>
+          </p:cNvSpPr>
+          <p:nvPr>
+            <p:ph type="sldNum" sz="quarter" idx="12"/>
+          </p:nvPr>
+        </p:nvSpPr>
+        <p:spPr/>
+        <p:txBody>
+          <a:bodyPr/>
+          <a:lstStyle/>
+          <a:p>
+            <a:fld id="{87E7843D-FF13-4365-9478-9625B70A2705}" type="slidenum">
+              <a:rPr lang="en-US" smtClean="0"/>
+              <a:t>15</a:t>
+            </a:fld>
+            <a:endParaRPr lang="en-US"/>
+          </a:p>
+        </p:txBody>
+      </p:sp>
+      <p:sp>
+        <p:nvSpPr>
+          <p:cNvPr id="5" name="TextBox 4">
+            <a:extLst>
+              <a:ext uri="{FF2B5EF4-FFF2-40B4-BE49-F238E27FC236}">
+                <a16:creationId xmlns:a16="http://schemas.microsoft.com/office/drawing/2014/main" id="{3FAAB113-80AA-19FF-B586-05823339CB6F}"/>
+              </a:ext>
+            </a:extLst>
+          </p:cNvPr>
+          <p:cNvSpPr txBox="1"/>
+          <p:nvPr/>
+        </p:nvSpPr>
+        <p:spPr>
+          <a:xfrm>
+            <a:off x="340042" y="323334"/>
+            <a:ext cx="8732838" cy="400110"/>
+          </a:xfrm>
+          <a:prstGeom prst="rect">
+            <a:avLst/>
+          </a:prstGeom>
+          <a:noFill/>
+        </p:spPr>
+        <p:txBody>
+          <a:bodyPr wrap="square">
+            <a:spAutoFit/>
+          </a:bodyPr>
+          <a:lstStyle/>
+          <a:p>
+            <a:r>
+              <a:rPr lang="en-US" sz="2000" b="1" cap="all" spc="30" dirty="0">
+                <a:latin typeface="+mj-lt"/>
+                <a:ea typeface="+mj-ea"/>
+                <a:cs typeface="+mj-cs"/>
+              </a:rPr>
+              <a:t>Result Analysis: Richness Response (comparison with paper)</a:t>
+            </a:r>
+            <a:endParaRPr lang="en-US" sz="2000" dirty="0"/>
+          </a:p>
+        </p:txBody>
+      </p:sp>
+      <p:pic>
+        <p:nvPicPr>
+          <p:cNvPr id="6" name="Picture 5">
+            <a:extLst>
+              <a:ext uri="{FF2B5EF4-FFF2-40B4-BE49-F238E27FC236}">
+                <a16:creationId xmlns:a16="http://schemas.microsoft.com/office/drawing/2014/main" id="{CC0E11BE-EE8B-8D7E-DA98-86E3AD7C2ABF}"/>
+              </a:ext>
+            </a:extLst>
+          </p:cNvPr>
+          <p:cNvPicPr>
+            <a:picLocks noChangeAspect="1"/>
+          </p:cNvPicPr>
+          <p:nvPr/>
+        </p:nvPicPr>
+        <p:blipFill>
+          <a:blip r:embed="rId2"/>
+          <a:srcRect b="1811"/>
+          <a:stretch>
+            <a:fillRect/>
+          </a:stretch>
+        </p:blipFill>
+        <p:spPr>
+          <a:xfrm>
+            <a:off x="340042" y="1242060"/>
+            <a:ext cx="4931833" cy="3304540"/>
+          </a:xfrm>
+          <a:prstGeom prst="rect">
+            <a:avLst/>
+          </a:prstGeom>
+        </p:spPr>
+      </p:pic>
+      <p:pic>
+        <p:nvPicPr>
+          <p:cNvPr id="8" name="Picture 7" descr="A graph showing the growth of cattle&#10;&#10;AI-generated content may be incorrect.">
+            <a:extLst>
+              <a:ext uri="{FF2B5EF4-FFF2-40B4-BE49-F238E27FC236}">
+                <a16:creationId xmlns:a16="http://schemas.microsoft.com/office/drawing/2014/main" id="{519061CF-9F09-0B05-0153-4AB3D98F446E}"/>
+              </a:ext>
+            </a:extLst>
+          </p:cNvPr>
+          <p:cNvPicPr>
+            <a:picLocks noChangeAspect="1"/>
+          </p:cNvPicPr>
+          <p:nvPr/>
+        </p:nvPicPr>
+        <p:blipFill>
+          <a:blip r:embed="rId3"/>
+          <a:stretch>
+            <a:fillRect/>
+          </a:stretch>
+        </p:blipFill>
+        <p:spPr>
+          <a:xfrm>
+            <a:off x="5364479" y="1483775"/>
+            <a:ext cx="4439921" cy="2740065"/>
+          </a:xfrm>
+          <a:prstGeom prst="rect">
+            <a:avLst/>
+          </a:prstGeom>
+          <a:ln>
+            <a:solidFill>
+              <a:schemeClr val="tx1"/>
+            </a:solidFill>
+          </a:ln>
+        </p:spPr>
+      </p:pic>
+      <p:sp>
+        <p:nvSpPr>
+          <p:cNvPr id="9" name="TextBox 8">
+            <a:extLst>
+              <a:ext uri="{FF2B5EF4-FFF2-40B4-BE49-F238E27FC236}">
+                <a16:creationId xmlns:a16="http://schemas.microsoft.com/office/drawing/2014/main" id="{D79A53CA-70EB-42ED-EA30-FE5A2C2AAB7A}"/>
+              </a:ext>
+            </a:extLst>
+          </p:cNvPr>
+          <p:cNvSpPr txBox="1"/>
+          <p:nvPr/>
+        </p:nvSpPr>
+        <p:spPr>
+          <a:xfrm>
+            <a:off x="1310640" y="4671534"/>
+            <a:ext cx="3423920" cy="307777"/>
+          </a:xfrm>
+          <a:prstGeom prst="rect">
+            <a:avLst/>
+          </a:prstGeom>
+          <a:noFill/>
+        </p:spPr>
+        <p:txBody>
+          <a:bodyPr wrap="square">
+            <a:spAutoFit/>
+          </a:bodyPr>
+          <a:lstStyle/>
+          <a:p>
+            <a:r>
+              <a:rPr lang="en-US" sz="1400" b="0" i="0" u="none" strike="noStrike" dirty="0">
+                <a:solidFill>
+                  <a:srgbClr val="000000"/>
+                </a:solidFill>
+                <a:effectLst/>
+                <a:latin typeface="-webkit-standard"/>
+              </a:rPr>
+              <a:t>Fig: From Paper Analysis (4 Watersheds)</a:t>
+            </a:r>
+            <a:endParaRPr lang="en-US" sz="1400" dirty="0"/>
+          </a:p>
+        </p:txBody>
+      </p:sp>
+      <p:sp>
+        <p:nvSpPr>
+          <p:cNvPr id="10" name="TextBox 9">
+            <a:extLst>
+              <a:ext uri="{FF2B5EF4-FFF2-40B4-BE49-F238E27FC236}">
+                <a16:creationId xmlns:a16="http://schemas.microsoft.com/office/drawing/2014/main" id="{8603B434-C66A-92EF-7AAC-760635CD68BA}"/>
+              </a:ext>
+            </a:extLst>
+          </p:cNvPr>
+          <p:cNvSpPr txBox="1"/>
+          <p:nvPr/>
+        </p:nvSpPr>
+        <p:spPr>
+          <a:xfrm>
+            <a:off x="5958839" y="4671533"/>
+            <a:ext cx="3423920" cy="307777"/>
+          </a:xfrm>
+          <a:prstGeom prst="rect">
+            <a:avLst/>
+          </a:prstGeom>
+          <a:noFill/>
+        </p:spPr>
+        <p:txBody>
+          <a:bodyPr wrap="square">
+            <a:spAutoFit/>
+          </a:bodyPr>
+          <a:lstStyle/>
+          <a:p>
+            <a:r>
+              <a:rPr lang="en-US" sz="1400" b="0" i="0" u="none" strike="noStrike" dirty="0">
+                <a:solidFill>
+                  <a:srgbClr val="000000"/>
+                </a:solidFill>
+                <a:effectLst/>
+                <a:latin typeface="-webkit-standard"/>
+              </a:rPr>
+              <a:t>Fig: From our Analysis (</a:t>
+            </a:r>
+            <a:r>
+              <a:rPr lang="en-US" sz="1400" dirty="0">
+                <a:solidFill>
+                  <a:srgbClr val="000000"/>
+                </a:solidFill>
+                <a:latin typeface="-webkit-standard"/>
+              </a:rPr>
+              <a:t>39</a:t>
+            </a:r>
+            <a:r>
+              <a:rPr lang="en-US" sz="1400" b="0" i="0" u="none" strike="noStrike" dirty="0">
+                <a:solidFill>
+                  <a:srgbClr val="000000"/>
+                </a:solidFill>
+                <a:effectLst/>
+                <a:latin typeface="-webkit-standard"/>
+              </a:rPr>
+              <a:t> Watersheds)</a:t>
+            </a:r>
+            <a:endParaRPr lang="en-US" sz="1400" dirty="0"/>
+          </a:p>
+        </p:txBody>
+      </p:sp>
+    </p:spTree>
+    <p:extLst>
+      <p:ext uri="{BB962C8B-B14F-4D97-AF65-F5344CB8AC3E}">
+        <p14:creationId xmlns:p14="http://schemas.microsoft.com/office/powerpoint/2010/main" val="1085798477"/>
+      </p:ext>
+    </p:extLst>
+  </p:cSld>
+  <p:clrMapOvr>
+    <a:masterClrMapping/>
+  </p:clrMapOvr>
+</p:sld>
+</file>
+
+<file path=ppt/slides/slide16.xml><?xml version="1.0" encoding="utf-8"?>
+<p:sld xmlns:a="http://schemas.openxmlformats.org/drawingml/2006/main" xmlns:r="http://schemas.openxmlformats.org/officeDocument/2006/relationships" xmlns:p="http://schemas.openxmlformats.org/presentationml/2006/main">
+  <p:cSld>
+    <p:bg>
+      <p:bgPr>
+        <a:solidFill>
+          <a:schemeClr val="bg1"/>
+        </a:solidFill>
+        <a:effectLst/>
+      </p:bgPr>
+    </p:bg>
+    <p:spTree>
+      <p:nvGrpSpPr>
+        <p:cNvPr id="1" name=""/>
+        <p:cNvGrpSpPr/>
+        <p:nvPr/>
+      </p:nvGrpSpPr>
+      <p:grpSpPr>
+        <a:xfrm>
+          <a:off x="0" y="0"/>
+          <a:ext cx="0" cy="0"/>
+          <a:chOff x="0" y="0"/>
+          <a:chExt cx="0" cy="0"/>
+        </a:xfrm>
+      </p:grpSpPr>
+      <p:cxnSp>
+        <p:nvCxnSpPr>
+          <p:cNvPr id="11" name="Straight Connector 10">
+            <a:extLst>
+              <a:ext uri="{FF2B5EF4-FFF2-40B4-BE49-F238E27FC236}">
+                <a16:creationId xmlns:a16="http://schemas.microsoft.com/office/drawing/2014/main" id="{F64F9B95-9045-48D2-B9F3-2927E98F54AA}"/>
+              </a:ext>
+              <a:ext uri="{C183D7F6-B498-43B3-948B-1728B52AA6E4}">
+                <adec:decorative xmlns:adec="http://schemas.microsoft.com/office/drawing/2017/decorative" val="1"/>
+              </a:ext>
+            </a:extLst>
+          </p:cNvPr>
+          <p:cNvCxnSpPr>
+            <a:cxnSpLocks noGrp="1" noRot="1" noChangeAspect="1" noMove="1" noResize="1" noEditPoints="1" noAdjustHandles="1" noChangeArrowheads="1" noChangeShapeType="1"/>
+          </p:cNvCxnSpPr>
+          <p:nvPr>
+            <p:extLst>
+              <p:ext uri="{386F3935-93C4-4BCD-93E2-E3B085C9AB24}">
+                <p16:designElem xmlns:p16="http://schemas.microsoft.com/office/powerpoint/2015/main" val="1"/>
+              </p:ext>
+            </p:extLst>
+          </p:nvPr>
+        </p:nvCxnSpPr>
+        <p:spPr>
+          <a:xfrm>
+            <a:off x="800100" y="723900"/>
+            <a:ext cx="10591800" cy="0"/>
+          </a:xfrm>
+          <a:prstGeom prst="line">
+            <a:avLst/>
+          </a:prstGeom>
+          <a:ln w="44450">
+            <a:solidFill>
+              <a:schemeClr val="tx1"/>
+            </a:solidFill>
+          </a:ln>
+        </p:spPr>
+        <p:style>
+          <a:lnRef idx="1">
+            <a:schemeClr val="accent1"/>
+          </a:lnRef>
+          <a:fillRef idx="0">
+            <a:schemeClr val="accent1"/>
+          </a:fillRef>
+          <a:effectRef idx="0">
+            <a:schemeClr val="accent1"/>
+          </a:effectRef>
+          <a:fontRef idx="minor">
+            <a:schemeClr val="tx1"/>
+          </a:fontRef>
+        </p:style>
+      </p:cxnSp>
+      <p:cxnSp>
+        <p:nvCxnSpPr>
+          <p:cNvPr id="13" name="Straight Connector 12">
+            <a:extLst>
+              <a:ext uri="{FF2B5EF4-FFF2-40B4-BE49-F238E27FC236}">
+                <a16:creationId xmlns:a16="http://schemas.microsoft.com/office/drawing/2014/main" id="{085AA86F-6A4D-4BCB-A045-D992CDC2959B}"/>
+              </a:ext>
+              <a:ext uri="{C183D7F6-B498-43B3-948B-1728B52AA6E4}">
+                <adec:decorative xmlns:adec="http://schemas.microsoft.com/office/drawing/2017/decorative" val="1"/>
+              </a:ext>
+            </a:extLst>
+          </p:cNvPr>
+          <p:cNvCxnSpPr>
+            <a:cxnSpLocks noGrp="1" noRot="1" noChangeAspect="1" noMove="1" noResize="1" noEditPoints="1" noAdjustHandles="1" noChangeArrowheads="1" noChangeShapeType="1"/>
+          </p:cNvCxnSpPr>
+          <p:nvPr>
+            <p:extLst>
+              <p:ext uri="{386F3935-93C4-4BCD-93E2-E3B085C9AB24}">
+                <p16:designElem xmlns:p16="http://schemas.microsoft.com/office/powerpoint/2015/main" val="1"/>
+              </p:ext>
+            </p:extLst>
+          </p:nvPr>
+        </p:nvCxnSpPr>
+        <p:spPr>
+          <a:xfrm>
+            <a:off x="800100" y="6142781"/>
+            <a:ext cx="10591800" cy="0"/>
+          </a:xfrm>
+          <a:prstGeom prst="line">
+            <a:avLst/>
+          </a:prstGeom>
+          <a:ln w="12700">
+            <a:solidFill>
+              <a:schemeClr val="tx1"/>
+            </a:solidFill>
+          </a:ln>
+        </p:spPr>
+        <p:style>
+          <a:lnRef idx="1">
+            <a:schemeClr val="accent1"/>
+          </a:lnRef>
+          <a:fillRef idx="0">
+            <a:schemeClr val="accent1"/>
+          </a:fillRef>
+          <a:effectRef idx="0">
+            <a:schemeClr val="accent1"/>
+          </a:effectRef>
+          <a:fontRef idx="minor">
+            <a:schemeClr val="tx1"/>
+          </a:fontRef>
+        </p:style>
+      </p:cxnSp>
+      <p:sp useBgFill="1">
+        <p:nvSpPr>
+          <p:cNvPr id="15" name="Rectangle 14">
+            <a:extLst>
+              <a:ext uri="{FF2B5EF4-FFF2-40B4-BE49-F238E27FC236}">
+                <a16:creationId xmlns:a16="http://schemas.microsoft.com/office/drawing/2014/main" id="{33E93247-6229-44AB-A550-739E971E690B}"/>
+              </a:ext>
+              <a:ext uri="{C183D7F6-B498-43B3-948B-1728B52AA6E4}">
+                <adec:decorative xmlns:adec="http://schemas.microsoft.com/office/drawing/2017/decorative" val="1"/>
+              </a:ext>
+            </a:extLst>
+          </p:cNvPr>
+          <p:cNvSpPr>
+            <a:spLocks noGrp="1" noRot="1" noChangeAspect="1" noMove="1" noResize="1" noEditPoints="1" noAdjustHandles="1" noChangeArrowheads="1" noChangeShapeType="1" noTextEdit="1"/>
+          </p:cNvSpPr>
+          <p:nvPr>
+            <p:extLst>
+              <p:ext uri="{386F3935-93C4-4BCD-93E2-E3B085C9AB24}">
+                <p16:designElem xmlns:p16="http://schemas.microsoft.com/office/powerpoint/2015/main" val="1"/>
+              </p:ext>
+            </p:extLst>
+          </p:nvPr>
+        </p:nvSpPr>
+        <p:spPr>
+          <a:xfrm>
+            <a:off x="0" y="0"/>
+            <a:ext cx="12192000" cy="6858000"/>
+          </a:xfrm>
+          <a:prstGeom prst="rect">
+            <a:avLst/>
+          </a:prstGeom>
+          <a:ln w="12700" cap="flat" cmpd="sng" algn="ctr">
+            <a:noFill/>
+            <a:prstDash val="solid"/>
+            <a:miter lim="800000"/>
+          </a:ln>
+          <a:effectLst/>
+          <a:extLst>
+            <a:ext uri="{91240B29-F687-4F45-9708-019B960494DF}">
+              <a14:hiddenLine xmlns:a14="http://schemas.microsoft.com/office/drawing/2010/main" w="12700" cap="flat" cmpd="sng" algn="ctr">
+                <a:solidFill>
+                  <a:schemeClr val="accent1">
+                    <a:shade val="50000"/>
+                  </a:schemeClr>
+                </a:solidFill>
+                <a:prstDash val="solid"/>
+                <a:miter lim="800000"/>
+              </a14:hiddenLine>
+            </a:ext>
+          </a:extLst>
+        </p:spPr>
+        <p:style>
+          <a:lnRef idx="2">
+            <a:schemeClr val="accent1">
+              <a:shade val="50000"/>
+            </a:schemeClr>
+          </a:lnRef>
+          <a:fillRef idx="1">
+            <a:schemeClr val="accent1"/>
+          </a:fillRef>
+          <a:effectRef idx="0">
+            <a:schemeClr val="accent1"/>
+          </a:effectRef>
+          <a:fontRef idx="minor">
+            <a:schemeClr val="lt1"/>
+          </a:fontRef>
+        </p:style>
+        <p:txBody>
+          <a:bodyPr rtlCol="0" anchor="ctr"/>
+          <a:lstStyle/>
+          <a:p>
+            <a:pPr algn="ctr"/>
+            <a:endParaRPr lang="en-US"/>
+          </a:p>
+        </p:txBody>
+      </p:sp>
+      <p:sp>
+        <p:nvSpPr>
+          <p:cNvPr id="2" name="Title 1">
+            <a:extLst>
+              <a:ext uri="{FF2B5EF4-FFF2-40B4-BE49-F238E27FC236}">
+                <a16:creationId xmlns:a16="http://schemas.microsoft.com/office/drawing/2014/main" id="{BD276AB9-68FD-7B82-4362-F7ACF87248F3}"/>
+              </a:ext>
+            </a:extLst>
+          </p:cNvPr>
+          <p:cNvSpPr>
+            <a:spLocks noGrp="1"/>
+          </p:cNvSpPr>
+          <p:nvPr>
+            <p:ph type="title"/>
+          </p:nvPr>
+        </p:nvSpPr>
+        <p:spPr>
+          <a:xfrm>
+            <a:off x="1969770" y="5852162"/>
+            <a:ext cx="5965190" cy="746854"/>
+          </a:xfrm>
+        </p:spPr>
+        <p:txBody>
+          <a:bodyPr vert="horz" lIns="91440" tIns="45720" rIns="91440" bIns="45720" rtlCol="0" anchor="t">
+            <a:normAutofit/>
+          </a:bodyPr>
+          <a:lstStyle/>
+          <a:p>
+            <a:r>
+              <a:rPr lang="en-US" dirty="0"/>
+              <a:t>Thank you</a:t>
+            </a:r>
+          </a:p>
+        </p:txBody>
+      </p:sp>
+      <p:sp>
+        <p:nvSpPr>
+          <p:cNvPr id="4" name="Slide Number Placeholder 3">
+            <a:extLst>
+              <a:ext uri="{FF2B5EF4-FFF2-40B4-BE49-F238E27FC236}">
+                <a16:creationId xmlns:a16="http://schemas.microsoft.com/office/drawing/2014/main" id="{4857E071-3B89-D1F5-77C0-973839E444D2}"/>
+              </a:ext>
+            </a:extLst>
+          </p:cNvPr>
+          <p:cNvSpPr>
+            <a:spLocks noGrp="1"/>
+          </p:cNvSpPr>
+          <p:nvPr>
+            <p:ph type="sldNum" sz="quarter" idx="12"/>
+          </p:nvPr>
+        </p:nvSpPr>
+        <p:spPr>
+          <a:xfrm>
+            <a:off x="9549876" y="20638"/>
+            <a:ext cx="672354" cy="365125"/>
+          </a:xfrm>
+        </p:spPr>
+        <p:txBody>
+          <a:bodyPr vert="horz" lIns="91440" tIns="45720" rIns="91440" bIns="45720" rtlCol="0" anchor="ctr">
+            <a:normAutofit/>
+          </a:bodyPr>
+          <a:lstStyle/>
+          <a:p>
+            <a:pPr>
+              <a:lnSpc>
+                <a:spcPct val="90000"/>
+              </a:lnSpc>
+              <a:spcAft>
+                <a:spcPts val="600"/>
+              </a:spcAft>
+            </a:pPr>
+            <a:fld id="{87E7843D-FF13-4365-9478-9625B70A2705}" type="slidenum">
+              <a:rPr lang="en-US" smtClean="0"/>
+              <a:pPr>
+                <a:lnSpc>
+                  <a:spcPct val="90000"/>
+                </a:lnSpc>
+                <a:spcAft>
+                  <a:spcPts val="600"/>
+                </a:spcAft>
+              </a:pPr>
+              <a:t>16</a:t>
+            </a:fld>
+            <a:endParaRPr lang="en-US"/>
+          </a:p>
+        </p:txBody>
+      </p:sp>
+      <p:pic>
+        <p:nvPicPr>
+          <p:cNvPr id="8" name="Graphic 7" descr="Smiling Face with No Fill">
+            <a:extLst>
+              <a:ext uri="{FF2B5EF4-FFF2-40B4-BE49-F238E27FC236}">
+                <a16:creationId xmlns:a16="http://schemas.microsoft.com/office/drawing/2014/main" id="{0379BBCF-C2D2-EC44-86BD-C1F1EFB286EF}"/>
+              </a:ext>
+            </a:extLst>
+          </p:cNvPr>
+          <p:cNvPicPr>
+            <a:picLocks noChangeAspect="1"/>
+          </p:cNvPicPr>
+          <p:nvPr/>
+        </p:nvPicPr>
+        <p:blipFill>
+          <a:blip r:embed="rId2">
+            <a:extLst>
+              <a:ext uri="{28A0092B-C50C-407E-A947-70E740481C1C}">
+                <a14:useLocalDpi xmlns:a14="http://schemas.microsoft.com/office/drawing/2010/main" val="0"/>
+              </a:ext>
+              <a:ext uri="{96DAC541-7B7A-43D3-8B79-37D633B846F1}">
+                <asvg:svgBlip xmlns:asvg="http://schemas.microsoft.com/office/drawing/2016/SVG/main" r:embed="rId3"/>
+              </a:ext>
+            </a:extLst>
+          </a:blip>
+          <a:stretch>
+            <a:fillRect/>
+          </a:stretch>
+        </p:blipFill>
+        <p:spPr>
+          <a:xfrm>
+            <a:off x="3497763" y="406400"/>
+            <a:ext cx="5196474" cy="5196474"/>
+          </a:xfrm>
+          <a:prstGeom prst="rect">
+            <a:avLst/>
+          </a:prstGeom>
+        </p:spPr>
+      </p:pic>
+      <p:cxnSp>
+        <p:nvCxnSpPr>
+          <p:cNvPr id="17" name="Straight Connector 16">
+            <a:extLst>
+              <a:ext uri="{FF2B5EF4-FFF2-40B4-BE49-F238E27FC236}">
+                <a16:creationId xmlns:a16="http://schemas.microsoft.com/office/drawing/2014/main" id="{EE2E603F-4A95-4FE8-BB06-211DFD75DBEF}"/>
+              </a:ext>
+              <a:ext uri="{C183D7F6-B498-43B3-948B-1728B52AA6E4}">
+                <adec:decorative xmlns:adec="http://schemas.microsoft.com/office/drawing/2017/decorative" val="1"/>
+              </a:ext>
+            </a:extLst>
+          </p:cNvPr>
+          <p:cNvCxnSpPr>
+            <a:cxnSpLocks noGrp="1" noRot="1" noChangeAspect="1" noMove="1" noResize="1" noEditPoints="1" noAdjustHandles="1" noChangeArrowheads="1" noChangeShapeType="1"/>
+          </p:cNvCxnSpPr>
+          <p:nvPr>
+            <p:extLst>
+              <p:ext uri="{386F3935-93C4-4BCD-93E2-E3B085C9AB24}">
+                <p16:designElem xmlns:p16="http://schemas.microsoft.com/office/powerpoint/2015/main" val="1"/>
+              </p:ext>
+            </p:extLst>
+          </p:nvPr>
+        </p:nvCxnSpPr>
+        <p:spPr>
+          <a:xfrm>
+            <a:off x="1969770" y="5719083"/>
+            <a:ext cx="8229600" cy="0"/>
+          </a:xfrm>
+          <a:prstGeom prst="line">
+            <a:avLst/>
+          </a:prstGeom>
+          <a:ln w="44450">
+            <a:solidFill>
+              <a:schemeClr val="tx1"/>
+            </a:solidFill>
+          </a:ln>
+        </p:spPr>
+        <p:style>
+          <a:lnRef idx="1">
+            <a:schemeClr val="accent1"/>
+          </a:lnRef>
+          <a:fillRef idx="0">
+            <a:schemeClr val="accent1"/>
+          </a:fillRef>
+          <a:effectRef idx="0">
+            <a:schemeClr val="accent1"/>
+          </a:effectRef>
+          <a:fontRef idx="minor">
+            <a:schemeClr val="tx1"/>
+          </a:fontRef>
+        </p:style>
+      </p:cxnSp>
+    </p:spTree>
+    <p:extLst>
+      <p:ext uri="{BB962C8B-B14F-4D97-AF65-F5344CB8AC3E}">
+        <p14:creationId xmlns:p14="http://schemas.microsoft.com/office/powerpoint/2010/main" val="3489330868"/>
+      </p:ext>
+    </p:extLst>
+  </p:cSld>
+  <p:clrMapOvr>
+    <a:masterClrMapping/>
+  </p:clrMapOvr>
+  <p:timing>
+    <p:tnLst>
+      <p:par>
+        <p:cTn id="1" dur="indefinite" restart="never" nodeType="tmRoot">
+          <p:childTnLst>
+            <p:seq concurrent="1" nextAc="seek">
+              <p:cTn id="2" dur="indefinite" nodeType="mainSeq">
+                <p:childTnLst>
+                  <p:par>
+                    <p:cTn id="3" fill="hold">
+                      <p:stCondLst>
+                        <p:cond delay="indefinite"/>
+                        <p:cond evt="onBegin" delay="0">
+                          <p:tn val="2"/>
+                        </p:cond>
+                      </p:stCondLst>
+                      <p:childTnLst>
+                        <p:par>
+                          <p:cTn id="4" fill="hold">
+                            <p:stCondLst>
+                              <p:cond delay="0"/>
+                            </p:stCondLst>
+                            <p:childTnLst>
+                              <p:par>
+                                <p:cTn id="5" presetID="10" presetClass="entr" presetSubtype="0" fill="hold" grpId="0" nodeType="withEffect">
+                                  <p:stCondLst>
+                                    <p:cond delay="1000"/>
+                                  </p:stCondLst>
+                                  <p:iterate>
+                                    <p:tmPct val="10000"/>
+                                  </p:iterate>
+                                  <p:childTnLst>
+                                    <p:set>
+                                      <p:cBhvr>
+                                        <p:cTn id="6" dur="1" fill="hold">
+                                          <p:stCondLst>
+                                            <p:cond delay="0"/>
+                                          </p:stCondLst>
+                                        </p:cTn>
+                                        <p:tgtEl>
+                                          <p:spTgt spid="2"/>
+                                        </p:tgtEl>
+                                        <p:attrNameLst>
+                                          <p:attrName>style.visibility</p:attrName>
+                                        </p:attrNameLst>
+                                      </p:cBhvr>
+                                      <p:to>
+                                        <p:strVal val="visible"/>
+                                      </p:to>
+                                    </p:set>
+                                    <p:animEffect transition="in" filter="fade">
+                                      <p:cBhvr>
+                                        <p:cTn id="7" dur="700"/>
+                                        <p:tgtEl>
+                                          <p:spTgt spid="2"/>
+                                        </p:tgtEl>
+                                      </p:cBhvr>
+                                    </p:animEffect>
+                                  </p:childTnLst>
+                                </p:cTn>
+                              </p:par>
+                              <p:par>
+                                <p:cTn id="8" presetID="10" presetClass="entr" presetSubtype="0" fill="hold" nodeType="withEffect">
+                                  <p:stCondLst>
+                                    <p:cond delay="500"/>
+                                  </p:stCondLst>
+                                  <p:iterate>
+                                    <p:tmPct val="10000"/>
+                                  </p:iterate>
+                                  <p:childTnLst>
+                                    <p:set>
+                                      <p:cBhvr>
+                                        <p:cTn id="9" dur="1" fill="hold">
+                                          <p:stCondLst>
+                                            <p:cond delay="0"/>
+                                          </p:stCondLst>
+                                        </p:cTn>
+                                        <p:tgtEl>
+                                          <p:spTgt spid="8"/>
+                                        </p:tgtEl>
+                                        <p:attrNameLst>
+                                          <p:attrName>style.visibility</p:attrName>
+                                        </p:attrNameLst>
+                                      </p:cBhvr>
+                                      <p:to>
+                                        <p:strVal val="visible"/>
+                                      </p:to>
+                                    </p:set>
+                                    <p:animEffect transition="in" filter="fade">
+                                      <p:cBhvr>
+                                        <p:cTn id="10" dur="700"/>
+                                        <p:tgtEl>
+                                          <p:spTgt spid="8"/>
+                                        </p:tgtEl>
+                                      </p:cBhvr>
+                                    </p:animEffect>
+                                  </p:childTnLst>
+                                </p:cTn>
+                              </p:par>
+                            </p:childTnLst>
+                          </p:cTn>
+                        </p:par>
+                      </p:childTnLst>
+                    </p:cTn>
+                  </p:par>
+                </p:childTnLst>
+              </p:cTn>
+              <p:prevCondLst>
+                <p:cond evt="onPrev" delay="0">
+                  <p:tgtEl>
+                    <p:sldTgt/>
+                  </p:tgtEl>
+                </p:cond>
+              </p:prevCondLst>
+              <p:nextCondLst>
+                <p:cond evt="onNext" delay="0">
+                  <p:tgtEl>
+                    <p:sldTgt/>
+                  </p:tgtEl>
+                </p:cond>
+              </p:nextCondLst>
+            </p:seq>
+          </p:childTnLst>
+        </p:cTn>
+      </p:par>
+    </p:tnLst>
+    <p:bldLst>
+      <p:bldP spid="2" grpId="0"/>
+    </p:bldLst>
+  </p:timing>
 </p:sld>
 </file>
 
@@ -8831,7 +9654,7 @@
         <p:grpSpPr>
           <a:xfrm>
             <a:off x="340043" y="852983"/>
-            <a:ext cx="6438452" cy="3691409"/>
+            <a:ext cx="6261173" cy="3731543"/>
             <a:chOff x="4472492" y="1095857"/>
             <a:chExt cx="6446520" cy="3407563"/>
           </a:xfrm>
@@ -9053,12 +9876,52 @@
           </p:txBody>
         </p:sp>
       </p:grpSp>
+      <p:sp>
+        <p:nvSpPr>
+          <p:cNvPr id="14" name="TextBox 13">
+            <a:extLst>
+              <a:ext uri="{FF2B5EF4-FFF2-40B4-BE49-F238E27FC236}">
+                <a16:creationId xmlns:a16="http://schemas.microsoft.com/office/drawing/2014/main" id="{38834044-D422-C3E3-7FDE-6B283751B4B4}"/>
+              </a:ext>
+            </a:extLst>
+          </p:cNvPr>
+          <p:cNvSpPr txBox="1"/>
+          <p:nvPr/>
+        </p:nvSpPr>
+        <p:spPr>
+          <a:xfrm>
+            <a:off x="340043" y="181094"/>
+            <a:ext cx="6097904" cy="400110"/>
+          </a:xfrm>
+          <a:prstGeom prst="rect">
+            <a:avLst/>
+          </a:prstGeom>
+          <a:noFill/>
+        </p:spPr>
+        <p:txBody>
+          <a:bodyPr wrap="square">
+            <a:spAutoFit/>
+          </a:bodyPr>
+          <a:lstStyle/>
+          <a:p>
+            <a:r>
+              <a:rPr lang="en-US" sz="2000" b="1" cap="all" spc="30" dirty="0">
+                <a:latin typeface="+mj-lt"/>
+                <a:ea typeface="+mj-ea"/>
+                <a:cs typeface="+mj-cs"/>
+              </a:rPr>
+              <a:t>Data Wrangling: Script 1 </a:t>
+            </a:r>
+            <a:endParaRPr lang="en-US" sz="2000" dirty="0"/>
+          </a:p>
+        </p:txBody>
+      </p:sp>
       <p:pic>
         <p:nvPicPr>
-          <p:cNvPr id="12" name="Picture 11">
-            <a:extLst>
-              <a:ext uri="{FF2B5EF4-FFF2-40B4-BE49-F238E27FC236}">
-                <a16:creationId xmlns:a16="http://schemas.microsoft.com/office/drawing/2014/main" id="{43CEE3BF-8C36-F391-D999-6680374ABB65}"/>
+          <p:cNvPr id="15" name="Picture 14">
+            <a:extLst>
+              <a:ext uri="{FF2B5EF4-FFF2-40B4-BE49-F238E27FC236}">
+                <a16:creationId xmlns:a16="http://schemas.microsoft.com/office/drawing/2014/main" id="{6F010F81-762E-6B33-F852-CD331CCB1259}"/>
               </a:ext>
             </a:extLst>
           </p:cNvPr>
@@ -9075,54 +9938,14 @@
         </p:blipFill>
         <p:spPr>
           <a:xfrm>
-            <a:off x="6828609" y="1106816"/>
-            <a:ext cx="4804105" cy="3305164"/>
+            <a:off x="6690813" y="1173011"/>
+            <a:ext cx="5413505" cy="3091486"/>
           </a:xfrm>
           <a:prstGeom prst="rect">
             <a:avLst/>
           </a:prstGeom>
         </p:spPr>
       </p:pic>
-      <p:sp>
-        <p:nvSpPr>
-          <p:cNvPr id="14" name="TextBox 13">
-            <a:extLst>
-              <a:ext uri="{FF2B5EF4-FFF2-40B4-BE49-F238E27FC236}">
-                <a16:creationId xmlns:a16="http://schemas.microsoft.com/office/drawing/2014/main" id="{38834044-D422-C3E3-7FDE-6B283751B4B4}"/>
-              </a:ext>
-            </a:extLst>
-          </p:cNvPr>
-          <p:cNvSpPr txBox="1"/>
-          <p:nvPr/>
-        </p:nvSpPr>
-        <p:spPr>
-          <a:xfrm>
-            <a:off x="340043" y="181094"/>
-            <a:ext cx="6097904" cy="400110"/>
-          </a:xfrm>
-          <a:prstGeom prst="rect">
-            <a:avLst/>
-          </a:prstGeom>
-          <a:noFill/>
-        </p:spPr>
-        <p:txBody>
-          <a:bodyPr wrap="square">
-            <a:spAutoFit/>
-          </a:bodyPr>
-          <a:lstStyle/>
-          <a:p>
-            <a:r>
-              <a:rPr lang="en-US" sz="2000" b="1" cap="all" spc="30" dirty="0">
-                <a:latin typeface="+mj-lt"/>
-                <a:ea typeface="+mj-ea"/>
-                <a:cs typeface="+mj-cs"/>
-              </a:rPr>
-              <a:t>Data Wrangling: Script 1 </a:t>
-            </a:r>
-            <a:endParaRPr lang="en-US" sz="2000" dirty="0"/>
-          </a:p>
-        </p:txBody>
-      </p:sp>
     </p:spTree>
     <p:extLst>
       <p:ext uri="{BB962C8B-B14F-4D97-AF65-F5344CB8AC3E}">
